--- a/Visualization_Techniques_with_R.pptx
+++ b/Visualization_Techniques_with_R.pptx
@@ -6,13 +6,13 @@
     <p:sldMasterId id="2147483650" r:id="rId3"/>
     <p:sldMasterId id="2147483652" r:id="rId4"/>
     <p:sldMasterId id="2147483654" r:id="rId5"/>
-    <p:sldMasterId id="2147483656" r:id="rId6"/>
-    <p:sldMasterId id="2147483658" r:id="rId7"/>
-    <p:sldMasterId id="2147483660" r:id="rId8"/>
-    <p:sldMasterId id="2147483662" r:id="rId9"/>
-    <p:sldMasterId id="2147483664" r:id="rId10"/>
-    <p:sldMasterId id="2147483666" r:id="rId11"/>
-    <p:sldMasterId id="2147483668" r:id="rId12"/>
+    <p:sldMasterId id="2147483657" r:id="rId6"/>
+    <p:sldMasterId id="2147483659" r:id="rId7"/>
+    <p:sldMasterId id="2147483661" r:id="rId8"/>
+    <p:sldMasterId id="2147483663" r:id="rId9"/>
+    <p:sldMasterId id="2147483665" r:id="rId10"/>
+    <p:sldMasterId id="2147483667" r:id="rId11"/>
+    <p:sldMasterId id="2147483669" r:id="rId12"/>
   </p:sldMasterIdLst>
   <p:sldIdLst>
     <p:sldId id="256" r:id="rId13"/>
@@ -32,7 +32,6 @@
     <p:sldId id="270" r:id="rId27"/>
     <p:sldId id="271" r:id="rId28"/>
     <p:sldId id="272" r:id="rId29"/>
-    <p:sldId id="273" r:id="rId30"/>
   </p:sldIdLst>
   <p:sldSz cx="9144000" cy="6858000"/>
   <p:notesSz cx="7559675" cy="10691813"/>
@@ -69,7 +68,7 @@
         <p:spPr>
           <a:xfrm>
             <a:off x="457200" y="274680"/>
-            <a:ext cx="8228160" cy="1141560"/>
+            <a:ext cx="8227800" cy="1141200"/>
           </a:xfrm>
           <a:prstGeom prst="rect">
             <a:avLst/>
@@ -109,7 +108,7 @@
         <p:spPr>
           <a:xfrm>
             <a:off x="457200" y="1600200"/>
-            <a:ext cx="8228160" cy="4524480"/>
+            <a:ext cx="8227800" cy="4524120"/>
           </a:xfrm>
           <a:prstGeom prst="rect">
             <a:avLst/>
@@ -170,7 +169,7 @@
         <p:txBody>
           <a:bodyPr/>
           <a:p>
-            <a:fld id="{91A097AD-BABA-4D13-8E2B-DBD59222BA20}" type="slidenum">
+            <a:fld id="{B684603D-2C1C-4F01-967C-F8D216C1927B}" type="slidenum">
               <a:t>&lt;#&gt;</a:t>
             </a:fld>
           </a:p>
@@ -203,6 +202,89 @@
 </file>
 
 <file path=ppt/slideLayouts/slideLayout10.xml><?xml version="1.0" encoding="utf-8"?>
+<p:sldLayout xmlns:a="http://schemas.openxmlformats.org/drawingml/2006/main" xmlns:p="http://schemas.openxmlformats.org/presentationml/2006/main" xmlns:r="http://schemas.openxmlformats.org/officeDocument/2006/relationships" xmlns:p14="http://schemas.microsoft.com/office/powerpoint/2010/main" xmlns:p15="http://schemas.microsoft.com/office/powerpoint/2012/main" xmlns:mc="http://schemas.openxmlformats.org/markup-compatibility/2006" type="blank" preserve="1">
+  <p:cSld name="Blank">
+    <p:spTree>
+      <p:nvGrpSpPr>
+        <p:cNvPr id="1" name=""/>
+        <p:cNvGrpSpPr/>
+        <p:nvPr/>
+      </p:nvGrpSpPr>
+      <p:grpSpPr>
+        <a:xfrm>
+          <a:off x="0" y="0"/>
+          <a:ext cx="0" cy="0"/>
+          <a:chOff x="0" y="0"/>
+          <a:chExt cx="0" cy="0"/>
+        </a:xfrm>
+      </p:grpSpPr>
+      <p:sp>
+        <p:nvSpPr>
+          <p:cNvPr id="2" name="PlaceHolder 1"/>
+          <p:cNvSpPr>
+            <a:spLocks noGrp="1"/>
+          </p:cNvSpPr>
+          <p:nvPr>
+            <p:ph type="ftr" idx="25"/>
+          </p:nvPr>
+        </p:nvSpPr>
+        <p:spPr/>
+        <p:txBody>
+          <a:bodyPr/>
+          <a:p>
+            <a:r>
+              <a:t>Footer</a:t>
+            </a:r>
+          </a:p>
+        </p:txBody>
+      </p:sp>
+      <p:sp>
+        <p:nvSpPr>
+          <p:cNvPr id="3" name="PlaceHolder 2"/>
+          <p:cNvSpPr>
+            <a:spLocks noGrp="1"/>
+          </p:cNvSpPr>
+          <p:nvPr>
+            <p:ph type="sldNum" idx="26"/>
+          </p:nvPr>
+        </p:nvSpPr>
+        <p:spPr/>
+        <p:txBody>
+          <a:bodyPr/>
+          <a:p>
+            <a:fld id="{D42399F8-E99A-43D9-AA80-4F6A6B4DE0BF}" type="slidenum">
+              <a:t>&lt;#&gt;</a:t>
+            </a:fld>
+          </a:p>
+        </p:txBody>
+      </p:sp>
+      <p:sp>
+        <p:nvSpPr>
+          <p:cNvPr id="4" name="PlaceHolder 3"/>
+          <p:cNvSpPr>
+            <a:spLocks noGrp="1"/>
+          </p:cNvSpPr>
+          <p:nvPr>
+            <p:ph type="dt" idx="27"/>
+          </p:nvPr>
+        </p:nvSpPr>
+        <p:spPr/>
+        <p:txBody>
+          <a:bodyPr/>
+          <a:p>
+            <a:r>
+              <a:rPr lang="en-US"/>
+              <a:t/>
+            </a:r>
+          </a:p>
+        </p:txBody>
+      </p:sp>
+    </p:spTree>
+  </p:cSld>
+</p:sldLayout>
+</file>
+
+<file path=ppt/slideLayouts/slideLayout11.xml><?xml version="1.0" encoding="utf-8"?>
 <p:sldLayout xmlns:a="http://schemas.openxmlformats.org/drawingml/2006/main" xmlns:p="http://schemas.openxmlformats.org/presentationml/2006/main" xmlns:r="http://schemas.openxmlformats.org/officeDocument/2006/relationships" xmlns:p14="http://schemas.microsoft.com/office/powerpoint/2010/main" xmlns:p15="http://schemas.microsoft.com/office/powerpoint/2012/main" xmlns:mc="http://schemas.openxmlformats.org/markup-compatibility/2006" type="blank" preserve="1">
   <p:cSld name="Content with Caption">
     <p:spTree>
@@ -253,7 +335,7 @@
         <p:txBody>
           <a:bodyPr/>
           <a:p>
-            <a:fld id="{209D888A-3D9D-46C8-8DDA-35932E5F9279}" type="slidenum">
+            <a:fld id="{BB398190-BF3E-4588-B164-04D23FDA6E0D}" type="slidenum">
               <a:t>&lt;#&gt;</a:t>
             </a:fld>
           </a:p>
@@ -285,7 +367,7 @@
 </p:sldLayout>
 </file>
 
-<file path=ppt/slideLayouts/slideLayout11.xml><?xml version="1.0" encoding="utf-8"?>
+<file path=ppt/slideLayouts/slideLayout12.xml><?xml version="1.0" encoding="utf-8"?>
 <p:sldLayout xmlns:a="http://schemas.openxmlformats.org/drawingml/2006/main" xmlns:p="http://schemas.openxmlformats.org/presentationml/2006/main" xmlns:r="http://schemas.openxmlformats.org/officeDocument/2006/relationships" xmlns:p14="http://schemas.microsoft.com/office/powerpoint/2010/main" xmlns:p15="http://schemas.microsoft.com/office/powerpoint/2012/main" xmlns:mc="http://schemas.openxmlformats.org/markup-compatibility/2006" type="blank" preserve="1">
   <p:cSld name="Picture with Caption">
     <p:spTree>
@@ -336,7 +418,7 @@
         <p:txBody>
           <a:bodyPr/>
           <a:p>
-            <a:fld id="{AB6D3291-6D57-4E25-9E35-8671EED408C0}" type="slidenum">
+            <a:fld id="{7B25D705-0A8C-4B0A-ABA3-79CBD2ABED7A}" type="slidenum">
               <a:t>&lt;#&gt;</a:t>
             </a:fld>
           </a:p>
@@ -419,7 +501,7 @@
         <p:txBody>
           <a:bodyPr/>
           <a:p>
-            <a:fld id="{4A48DD59-64AC-47D4-B73D-C60EF2E46DB6}" type="slidenum">
+            <a:fld id="{0EBDD1D3-C999-4592-829A-E399C972EAC0}" type="slidenum">
               <a:t>&lt;#&gt;</a:t>
             </a:fld>
           </a:p>
@@ -502,7 +584,7 @@
         <p:txBody>
           <a:bodyPr/>
           <a:p>
-            <a:fld id="{2D6E4150-02CB-413C-9205-8D74A9FB705E}" type="slidenum">
+            <a:fld id="{2F1BC77C-EDE8-495D-A583-A3251D6D3CDB}" type="slidenum">
               <a:t>&lt;#&gt;</a:t>
             </a:fld>
           </a:p>
@@ -535,6 +617,89 @@
 </file>
 
 <file path=ppt/slideLayouts/slideLayout4.xml><?xml version="1.0" encoding="utf-8"?>
+<p:sldLayout xmlns:a="http://schemas.openxmlformats.org/drawingml/2006/main" xmlns:p="http://schemas.openxmlformats.org/presentationml/2006/main" xmlns:r="http://schemas.openxmlformats.org/officeDocument/2006/relationships" xmlns:p14="http://schemas.microsoft.com/office/powerpoint/2010/main" xmlns:p15="http://schemas.microsoft.com/office/powerpoint/2012/main" xmlns:mc="http://schemas.openxmlformats.org/markup-compatibility/2006" type="blank" preserve="1">
+  <p:cSld name="Title and Content">
+    <p:spTree>
+      <p:nvGrpSpPr>
+        <p:cNvPr id="1" name=""/>
+        <p:cNvGrpSpPr/>
+        <p:nvPr/>
+      </p:nvGrpSpPr>
+      <p:grpSpPr>
+        <a:xfrm>
+          <a:off x="0" y="0"/>
+          <a:ext cx="0" cy="0"/>
+          <a:chOff x="0" y="0"/>
+          <a:chExt cx="0" cy="0"/>
+        </a:xfrm>
+      </p:grpSpPr>
+      <p:sp>
+        <p:nvSpPr>
+          <p:cNvPr id="2" name="PlaceHolder 1"/>
+          <p:cNvSpPr>
+            <a:spLocks noGrp="1"/>
+          </p:cNvSpPr>
+          <p:nvPr>
+            <p:ph type="ftr" idx="10"/>
+          </p:nvPr>
+        </p:nvSpPr>
+        <p:spPr/>
+        <p:txBody>
+          <a:bodyPr/>
+          <a:p>
+            <a:r>
+              <a:t>Footer</a:t>
+            </a:r>
+          </a:p>
+        </p:txBody>
+      </p:sp>
+      <p:sp>
+        <p:nvSpPr>
+          <p:cNvPr id="3" name="PlaceHolder 2"/>
+          <p:cNvSpPr>
+            <a:spLocks noGrp="1"/>
+          </p:cNvSpPr>
+          <p:nvPr>
+            <p:ph type="sldNum" idx="11"/>
+          </p:nvPr>
+        </p:nvSpPr>
+        <p:spPr/>
+        <p:txBody>
+          <a:bodyPr/>
+          <a:p>
+            <a:fld id="{B9939727-A914-4CF8-9301-94FAA59BDB0F}" type="slidenum">
+              <a:t>&lt;#&gt;</a:t>
+            </a:fld>
+          </a:p>
+        </p:txBody>
+      </p:sp>
+      <p:sp>
+        <p:nvSpPr>
+          <p:cNvPr id="4" name="PlaceHolder 3"/>
+          <p:cNvSpPr>
+            <a:spLocks noGrp="1"/>
+          </p:cNvSpPr>
+          <p:nvPr>
+            <p:ph type="dt" idx="12"/>
+          </p:nvPr>
+        </p:nvSpPr>
+        <p:spPr/>
+        <p:txBody>
+          <a:bodyPr/>
+          <a:p>
+            <a:r>
+              <a:rPr lang="en-US"/>
+              <a:t/>
+            </a:r>
+          </a:p>
+        </p:txBody>
+      </p:sp>
+    </p:spTree>
+  </p:cSld>
+</p:sldLayout>
+</file>
+
+<file path=ppt/slideLayouts/slideLayout5.xml><?xml version="1.0" encoding="utf-8"?>
 <p:sldLayout xmlns:a="http://schemas.openxmlformats.org/drawingml/2006/main" xmlns:p="http://schemas.openxmlformats.org/presentationml/2006/main" xmlns:r="http://schemas.openxmlformats.org/officeDocument/2006/relationships" xmlns:p14="http://schemas.microsoft.com/office/powerpoint/2010/main" xmlns:p15="http://schemas.microsoft.com/office/powerpoint/2012/main" xmlns:mc="http://schemas.openxmlformats.org/markup-compatibility/2006" type="obj" preserve="1">
   <p:cSld name="Title and Content">
     <p:spTree>
@@ -564,7 +729,7 @@
         <p:spPr>
           <a:xfrm>
             <a:off x="457200" y="274680"/>
-            <a:ext cx="8228160" cy="1141560"/>
+            <a:ext cx="8227800" cy="1141200"/>
           </a:xfrm>
           <a:prstGeom prst="rect">
             <a:avLst/>
@@ -604,7 +769,7 @@
         <p:spPr>
           <a:xfrm>
             <a:off x="457200" y="1600200"/>
-            <a:ext cx="8228160" cy="4524480"/>
+            <a:ext cx="8227800" cy="4524120"/>
           </a:xfrm>
           <a:prstGeom prst="rect">
             <a:avLst/>
@@ -668,7 +833,7 @@
         <p:txBody>
           <a:bodyPr/>
           <a:p>
-            <a:fld id="{4E720321-45F1-4C64-B651-8C6AC662CAE7}" type="slidenum">
+            <a:fld id="{0EC47941-73E4-4697-9AE1-FD812BE0BDFD}" type="slidenum">
               <a:t>&lt;#&gt;</a:t>
             </a:fld>
           </a:p>
@@ -700,7 +865,7 @@
 </p:sldLayout>
 </file>
 
-<file path=ppt/slideLayouts/slideLayout5.xml><?xml version="1.0" encoding="utf-8"?>
+<file path=ppt/slideLayouts/slideLayout6.xml><?xml version="1.0" encoding="utf-8"?>
 <p:sldLayout xmlns:a="http://schemas.openxmlformats.org/drawingml/2006/main" xmlns:p="http://schemas.openxmlformats.org/presentationml/2006/main" xmlns:r="http://schemas.openxmlformats.org/officeDocument/2006/relationships" xmlns:p14="http://schemas.microsoft.com/office/powerpoint/2010/main" xmlns:p15="http://schemas.microsoft.com/office/powerpoint/2012/main" xmlns:mc="http://schemas.openxmlformats.org/markup-compatibility/2006" type="blank" preserve="1">
   <p:cSld name="Section Header">
     <p:spTree>
@@ -751,7 +916,7 @@
         <p:txBody>
           <a:bodyPr/>
           <a:p>
-            <a:fld id="{0E2B7794-2C9F-4BFF-9A59-B1A149935547}" type="slidenum">
+            <a:fld id="{5127175B-616E-4FB1-933C-5D51B5B83F2F}" type="slidenum">
               <a:t>&lt;#&gt;</a:t>
             </a:fld>
           </a:p>
@@ -783,7 +948,7 @@
 </p:sldLayout>
 </file>
 
-<file path=ppt/slideLayouts/slideLayout6.xml><?xml version="1.0" encoding="utf-8"?>
+<file path=ppt/slideLayouts/slideLayout7.xml><?xml version="1.0" encoding="utf-8"?>
 <p:sldLayout xmlns:a="http://schemas.openxmlformats.org/drawingml/2006/main" xmlns:p="http://schemas.openxmlformats.org/presentationml/2006/main" xmlns:r="http://schemas.openxmlformats.org/officeDocument/2006/relationships" xmlns:p14="http://schemas.microsoft.com/office/powerpoint/2010/main" xmlns:p15="http://schemas.microsoft.com/office/powerpoint/2012/main" xmlns:mc="http://schemas.openxmlformats.org/markup-compatibility/2006" type="twoObj" preserve="1">
   <p:cSld name="Two Content">
     <p:spTree>
@@ -813,7 +978,7 @@
         <p:spPr>
           <a:xfrm>
             <a:off x="457200" y="274680"/>
-            <a:ext cx="8228160" cy="1141560"/>
+            <a:ext cx="8227800" cy="1141200"/>
           </a:xfrm>
           <a:prstGeom prst="rect">
             <a:avLst/>
@@ -853,7 +1018,7 @@
         <p:spPr>
           <a:xfrm>
             <a:off x="457200" y="1600200"/>
-            <a:ext cx="4015080" cy="4524480"/>
+            <a:ext cx="4015080" cy="4524120"/>
           </a:xfrm>
           <a:prstGeom prst="rect">
             <a:avLst/>
@@ -896,7 +1061,7 @@
         <p:spPr>
           <a:xfrm>
             <a:off x="4673520" y="1600200"/>
-            <a:ext cx="4015080" cy="4524480"/>
+            <a:ext cx="4015080" cy="4524120"/>
           </a:xfrm>
           <a:prstGeom prst="rect">
             <a:avLst/>
@@ -960,7 +1125,7 @@
         <p:txBody>
           <a:bodyPr/>
           <a:p>
-            <a:fld id="{ED2BC63E-7B28-48C4-A985-03E634EDEFE8}" type="slidenum">
+            <a:fld id="{99CD1091-9FF5-41FE-9081-E5172FCD42D7}" type="slidenum">
               <a:t>&lt;#&gt;</a:t>
             </a:fld>
           </a:p>
@@ -992,7 +1157,7 @@
 </p:sldLayout>
 </file>
 
-<file path=ppt/slideLayouts/slideLayout7.xml><?xml version="1.0" encoding="utf-8"?>
+<file path=ppt/slideLayouts/slideLayout8.xml><?xml version="1.0" encoding="utf-8"?>
 <p:sldLayout xmlns:a="http://schemas.openxmlformats.org/drawingml/2006/main" xmlns:p="http://schemas.openxmlformats.org/presentationml/2006/main" xmlns:r="http://schemas.openxmlformats.org/officeDocument/2006/relationships" xmlns:p14="http://schemas.microsoft.com/office/powerpoint/2010/main" xmlns:p15="http://schemas.microsoft.com/office/powerpoint/2012/main" xmlns:mc="http://schemas.openxmlformats.org/markup-compatibility/2006" type="blank" preserve="1">
   <p:cSld name="Comparison">
     <p:spTree>
@@ -1043,7 +1208,7 @@
         <p:txBody>
           <a:bodyPr/>
           <a:p>
-            <a:fld id="{43DDCAC8-B4BA-4DBC-A9DD-B7242C5BBB29}" type="slidenum">
+            <a:fld id="{75890346-978E-485A-9DF6-F86490AE147F}" type="slidenum">
               <a:t>&lt;#&gt;</a:t>
             </a:fld>
           </a:p>
@@ -1075,7 +1240,7 @@
 </p:sldLayout>
 </file>
 
-<file path=ppt/slideLayouts/slideLayout8.xml><?xml version="1.0" encoding="utf-8"?>
+<file path=ppt/slideLayouts/slideLayout9.xml><?xml version="1.0" encoding="utf-8"?>
 <p:sldLayout xmlns:a="http://schemas.openxmlformats.org/drawingml/2006/main" xmlns:p="http://schemas.openxmlformats.org/presentationml/2006/main" xmlns:r="http://schemas.openxmlformats.org/officeDocument/2006/relationships" xmlns:p14="http://schemas.microsoft.com/office/powerpoint/2010/main" xmlns:p15="http://schemas.microsoft.com/office/powerpoint/2012/main" xmlns:mc="http://schemas.openxmlformats.org/markup-compatibility/2006" type="titleOnly" preserve="1">
   <p:cSld name="Title Only">
     <p:spTree>
@@ -1105,7 +1270,7 @@
         <p:spPr>
           <a:xfrm>
             <a:off x="457200" y="274680"/>
-            <a:ext cx="8228160" cy="1141560"/>
+            <a:ext cx="8227800" cy="1141200"/>
           </a:xfrm>
           <a:prstGeom prst="rect">
             <a:avLst/>
@@ -1166,7 +1331,7 @@
         <p:txBody>
           <a:bodyPr/>
           <a:p>
-            <a:fld id="{3DE94B40-3F7F-4133-A950-CA90FCCDC0A5}" type="slidenum">
+            <a:fld id="{6B23AE4B-2A84-4444-8640-14106ABE3269}" type="slidenum">
               <a:t>&lt;#&gt;</a:t>
             </a:fld>
           </a:p>
@@ -1180,89 +1345,6 @@
           </p:cNvSpPr>
           <p:nvPr>
             <p:ph type="dt" idx="24"/>
-          </p:nvPr>
-        </p:nvSpPr>
-        <p:spPr/>
-        <p:txBody>
-          <a:bodyPr/>
-          <a:p>
-            <a:r>
-              <a:rPr lang="en-US"/>
-              <a:t/>
-            </a:r>
-          </a:p>
-        </p:txBody>
-      </p:sp>
-    </p:spTree>
-  </p:cSld>
-</p:sldLayout>
-</file>
-
-<file path=ppt/slideLayouts/slideLayout9.xml><?xml version="1.0" encoding="utf-8"?>
-<p:sldLayout xmlns:a="http://schemas.openxmlformats.org/drawingml/2006/main" xmlns:p="http://schemas.openxmlformats.org/presentationml/2006/main" xmlns:r="http://schemas.openxmlformats.org/officeDocument/2006/relationships" xmlns:p14="http://schemas.microsoft.com/office/powerpoint/2010/main" xmlns:p15="http://schemas.microsoft.com/office/powerpoint/2012/main" xmlns:mc="http://schemas.openxmlformats.org/markup-compatibility/2006" type="blank" preserve="1">
-  <p:cSld name="Blank">
-    <p:spTree>
-      <p:nvGrpSpPr>
-        <p:cNvPr id="1" name=""/>
-        <p:cNvGrpSpPr/>
-        <p:nvPr/>
-      </p:nvGrpSpPr>
-      <p:grpSpPr>
-        <a:xfrm>
-          <a:off x="0" y="0"/>
-          <a:ext cx="0" cy="0"/>
-          <a:chOff x="0" y="0"/>
-          <a:chExt cx="0" cy="0"/>
-        </a:xfrm>
-      </p:grpSpPr>
-      <p:sp>
-        <p:nvSpPr>
-          <p:cNvPr id="2" name="PlaceHolder 1"/>
-          <p:cNvSpPr>
-            <a:spLocks noGrp="1"/>
-          </p:cNvSpPr>
-          <p:nvPr>
-            <p:ph type="ftr" idx="25"/>
-          </p:nvPr>
-        </p:nvSpPr>
-        <p:spPr/>
-        <p:txBody>
-          <a:bodyPr/>
-          <a:p>
-            <a:r>
-              <a:t>Footer</a:t>
-            </a:r>
-          </a:p>
-        </p:txBody>
-      </p:sp>
-      <p:sp>
-        <p:nvSpPr>
-          <p:cNvPr id="3" name="PlaceHolder 2"/>
-          <p:cNvSpPr>
-            <a:spLocks noGrp="1"/>
-          </p:cNvSpPr>
-          <p:nvPr>
-            <p:ph type="sldNum" idx="26"/>
-          </p:nvPr>
-        </p:nvSpPr>
-        <p:spPr/>
-        <p:txBody>
-          <a:bodyPr/>
-          <a:p>
-            <a:fld id="{457BC2CB-3A97-4D8D-9F24-81DEF833A9F3}" type="slidenum">
-              <a:t>&lt;#&gt;</a:t>
-            </a:fld>
-          </a:p>
-        </p:txBody>
-      </p:sp>
-      <p:sp>
-        <p:nvSpPr>
-          <p:cNvPr id="4" name="PlaceHolder 3"/>
-          <p:cNvSpPr>
-            <a:spLocks noGrp="1"/>
-          </p:cNvSpPr>
-          <p:nvPr>
-            <p:ph type="dt" idx="27"/>
           </p:nvPr>
         </p:nvSpPr>
         <p:spPr/>
@@ -1318,7 +1400,7 @@
         <p:spPr>
           <a:xfrm>
             <a:off x="457200" y="274680"/>
-            <a:ext cx="8228160" cy="1141560"/>
+            <a:ext cx="8227800" cy="1141200"/>
           </a:xfrm>
           <a:prstGeom prst="rect">
             <a:avLst/>
@@ -1367,7 +1449,7 @@
         <p:spPr>
           <a:xfrm>
             <a:off x="3124080" y="6356520"/>
-            <a:ext cx="2894040" cy="363600"/>
+            <a:ext cx="2893680" cy="363240"/>
           </a:xfrm>
           <a:prstGeom prst="rect">
             <a:avLst/>
@@ -1439,7 +1521,7 @@
         <p:spPr>
           <a:xfrm>
             <a:off x="6553080" y="6356520"/>
-            <a:ext cx="2132280" cy="363600"/>
+            <a:ext cx="2131920" cy="363240"/>
           </a:xfrm>
           <a:prstGeom prst="rect">
             <a:avLst/>
@@ -1482,7 +1564,7 @@
                 <a:tab algn="l" pos="0"/>
               </a:tabLst>
             </a:pPr>
-            <a:fld id="{64FE2095-3C7F-44A2-9315-3EBBD6ED90BF}" type="slidenum">
+            <a:fld id="{610D2D63-1C27-472E-BCE8-F1C1938D34B5}" type="slidenum">
               <a:rPr b="0" lang="en-US" sz="1200" spc="-1" strike="noStrike">
                 <a:solidFill>
                   <a:schemeClr val="dk1">
@@ -1515,7 +1597,7 @@
         <p:spPr>
           <a:xfrm>
             <a:off x="457200" y="6356520"/>
-            <a:ext cx="2132280" cy="363600"/>
+            <a:ext cx="2131920" cy="363240"/>
           </a:xfrm>
           <a:prstGeom prst="rect">
             <a:avLst/>
@@ -1833,7 +1915,7 @@
         <p:spPr>
           <a:xfrm>
             <a:off x="3124080" y="6356520"/>
-            <a:ext cx="2894040" cy="363600"/>
+            <a:ext cx="2893680" cy="363240"/>
           </a:xfrm>
           <a:prstGeom prst="rect">
             <a:avLst/>
@@ -1905,7 +1987,7 @@
         <p:spPr>
           <a:xfrm>
             <a:off x="6553080" y="6356520"/>
-            <a:ext cx="2132280" cy="363600"/>
+            <a:ext cx="2131920" cy="363240"/>
           </a:xfrm>
           <a:prstGeom prst="rect">
             <a:avLst/>
@@ -1948,7 +2030,7 @@
                 <a:tab algn="l" pos="0"/>
               </a:tabLst>
             </a:pPr>
-            <a:fld id="{669D23DC-63B9-40A0-B4DC-44FC96BD96D7}" type="slidenum">
+            <a:fld id="{8BF8A2D1-08E6-41AB-8A00-6F0BE669C2C6}" type="slidenum">
               <a:rPr b="0" lang="en-US" sz="1200" spc="-1" strike="noStrike">
                 <a:solidFill>
                   <a:schemeClr val="dk1">
@@ -1981,7 +2063,7 @@
         <p:spPr>
           <a:xfrm>
             <a:off x="457200" y="6356520"/>
-            <a:ext cx="2132280" cy="363600"/>
+            <a:ext cx="2131920" cy="363240"/>
           </a:xfrm>
           <a:prstGeom prst="rect">
             <a:avLst/>
@@ -2032,7 +2114,7 @@
   </p:cSld>
   <p:clrMap bg1="lt1" bg2="lt2" tx1="dk1" tx2="dk2" accent1="accent1" accent2="accent2" accent3="accent3" accent4="accent4" accent5="accent5" accent6="accent6" hlink="hlink" folHlink="folHlink"/>
   <p:sldLayoutIdLst>
-    <p:sldLayoutId id="2147483667" r:id="rId2"/>
+    <p:sldLayoutId id="2147483668" r:id="rId2"/>
   </p:sldLayoutIdLst>
 </p:sldMaster>
 </file>
@@ -2074,7 +2156,7 @@
         <p:spPr>
           <a:xfrm>
             <a:off x="3124080" y="6356520"/>
-            <a:ext cx="2894040" cy="363600"/>
+            <a:ext cx="2893680" cy="363240"/>
           </a:xfrm>
           <a:prstGeom prst="rect">
             <a:avLst/>
@@ -2146,7 +2228,7 @@
         <p:spPr>
           <a:xfrm>
             <a:off x="6553080" y="6356520"/>
-            <a:ext cx="2132280" cy="363600"/>
+            <a:ext cx="2131920" cy="363240"/>
           </a:xfrm>
           <a:prstGeom prst="rect">
             <a:avLst/>
@@ -2189,7 +2271,7 @@
                 <a:tab algn="l" pos="0"/>
               </a:tabLst>
             </a:pPr>
-            <a:fld id="{A95EDC67-9D6F-4E08-9210-787FC18B4184}" type="slidenum">
+            <a:fld id="{E9DAE978-A93E-4EFF-8E62-B1E16AFB1AC8}" type="slidenum">
               <a:rPr b="0" lang="en-US" sz="1200" spc="-1" strike="noStrike">
                 <a:solidFill>
                   <a:schemeClr val="dk1">
@@ -2222,7 +2304,7 @@
         <p:spPr>
           <a:xfrm>
             <a:off x="457200" y="6356520"/>
-            <a:ext cx="2132280" cy="363600"/>
+            <a:ext cx="2131920" cy="363240"/>
           </a:xfrm>
           <a:prstGeom prst="rect">
             <a:avLst/>
@@ -2273,7 +2355,7 @@
   </p:cSld>
   <p:clrMap bg1="lt1" bg2="lt2" tx1="dk1" tx2="dk2" accent1="accent1" accent2="accent2" accent3="accent3" accent4="accent4" accent5="accent5" accent6="accent6" hlink="hlink" folHlink="folHlink"/>
   <p:sldLayoutIdLst>
-    <p:sldLayoutId id="2147483669" r:id="rId2"/>
+    <p:sldLayoutId id="2147483670" r:id="rId2"/>
   </p:sldLayoutIdLst>
 </p:sldMaster>
 </file>
@@ -2315,7 +2397,7 @@
         <p:spPr>
           <a:xfrm>
             <a:off x="3124080" y="6356520"/>
-            <a:ext cx="2894040" cy="363600"/>
+            <a:ext cx="2893680" cy="363240"/>
           </a:xfrm>
           <a:prstGeom prst="rect">
             <a:avLst/>
@@ -2387,7 +2469,7 @@
         <p:spPr>
           <a:xfrm>
             <a:off x="6553080" y="6356520"/>
-            <a:ext cx="2132280" cy="363600"/>
+            <a:ext cx="2131920" cy="363240"/>
           </a:xfrm>
           <a:prstGeom prst="rect">
             <a:avLst/>
@@ -2430,7 +2512,7 @@
                 <a:tab algn="l" pos="0"/>
               </a:tabLst>
             </a:pPr>
-            <a:fld id="{0C86903F-171D-424F-ABF3-9055138D9559}" type="slidenum">
+            <a:fld id="{BCFFA966-C7F6-469D-B6B0-4CF8B1067405}" type="slidenum">
               <a:rPr b="0" lang="en-US" sz="1200" spc="-1" strike="noStrike">
                 <a:solidFill>
                   <a:schemeClr val="dk1">
@@ -2463,7 +2545,7 @@
         <p:spPr>
           <a:xfrm>
             <a:off x="457200" y="6356520"/>
-            <a:ext cx="2132280" cy="363600"/>
+            <a:ext cx="2131920" cy="363240"/>
           </a:xfrm>
           <a:prstGeom prst="rect">
             <a:avLst/>
@@ -2556,7 +2638,7 @@
         <p:spPr>
           <a:xfrm>
             <a:off x="3124080" y="6356520"/>
-            <a:ext cx="2894040" cy="363600"/>
+            <a:ext cx="2893680" cy="363240"/>
           </a:xfrm>
           <a:prstGeom prst="rect">
             <a:avLst/>
@@ -2628,7 +2710,7 @@
         <p:spPr>
           <a:xfrm>
             <a:off x="6553080" y="6356520"/>
-            <a:ext cx="2132280" cy="363600"/>
+            <a:ext cx="2131920" cy="363240"/>
           </a:xfrm>
           <a:prstGeom prst="rect">
             <a:avLst/>
@@ -2671,7 +2753,7 @@
                 <a:tab algn="l" pos="0"/>
               </a:tabLst>
             </a:pPr>
-            <a:fld id="{99DE08B0-8222-46EF-B3D4-38399BC12B3C}" type="slidenum">
+            <a:fld id="{78E34CB9-53F0-4966-BC0F-09974F9E265B}" type="slidenum">
               <a:rPr b="0" lang="en-US" sz="1200" spc="-1" strike="noStrike">
                 <a:solidFill>
                   <a:schemeClr val="dk1">
@@ -2704,7 +2786,7 @@
         <p:spPr>
           <a:xfrm>
             <a:off x="457200" y="6356520"/>
-            <a:ext cx="2132280" cy="363600"/>
+            <a:ext cx="2131920" cy="363240"/>
           </a:xfrm>
           <a:prstGeom prst="rect">
             <a:avLst/>
@@ -2797,7 +2879,7 @@
         <p:spPr>
           <a:xfrm>
             <a:off x="457200" y="274680"/>
-            <a:ext cx="8228160" cy="1141560"/>
+            <a:ext cx="8227800" cy="1141200"/>
           </a:xfrm>
           <a:prstGeom prst="rect">
             <a:avLst/>
@@ -2846,7 +2928,7 @@
         <p:spPr>
           <a:xfrm>
             <a:off x="457200" y="1600200"/>
-            <a:ext cx="8228160" cy="4524480"/>
+            <a:ext cx="8227800" cy="4524120"/>
           </a:xfrm>
           <a:prstGeom prst="rect">
             <a:avLst/>
@@ -3071,7 +3153,7 @@
         <p:spPr>
           <a:xfrm>
             <a:off x="3124080" y="6356520"/>
-            <a:ext cx="2894040" cy="363600"/>
+            <a:ext cx="2893680" cy="363240"/>
           </a:xfrm>
           <a:prstGeom prst="rect">
             <a:avLst/>
@@ -3143,7 +3225,7 @@
         <p:spPr>
           <a:xfrm>
             <a:off x="6553080" y="6356520"/>
-            <a:ext cx="2132280" cy="363600"/>
+            <a:ext cx="2131920" cy="363240"/>
           </a:xfrm>
           <a:prstGeom prst="rect">
             <a:avLst/>
@@ -3186,7 +3268,7 @@
                 <a:tab algn="l" pos="0"/>
               </a:tabLst>
             </a:pPr>
-            <a:fld id="{0E660737-7119-423F-9F90-A56C6A2F4002}" type="slidenum">
+            <a:fld id="{1A309E9F-91C0-4107-8CAC-454253C20953}" type="slidenum">
               <a:rPr b="0" lang="en-US" sz="1200" spc="-1" strike="noStrike">
                 <a:solidFill>
                   <a:schemeClr val="dk1">
@@ -3219,7 +3301,7 @@
         <p:spPr>
           <a:xfrm>
             <a:off x="457200" y="6356520"/>
-            <a:ext cx="2132280" cy="363600"/>
+            <a:ext cx="2131920" cy="363240"/>
           </a:xfrm>
           <a:prstGeom prst="rect">
             <a:avLst/>
@@ -3271,6 +3353,7 @@
   <p:clrMap bg1="lt1" bg2="lt2" tx1="dk1" tx2="dk2" accent1="accent1" accent2="accent2" accent3="accent3" accent4="accent4" accent5="accent5" accent6="accent6" hlink="hlink" folHlink="folHlink"/>
   <p:sldLayoutIdLst>
     <p:sldLayoutId id="2147483655" r:id="rId2"/>
+    <p:sldLayoutId id="2147483656" r:id="rId3"/>
   </p:sldLayoutIdLst>
 </p:sldMaster>
 </file>
@@ -3312,7 +3395,7 @@
         <p:spPr>
           <a:xfrm>
             <a:off x="3124080" y="6356520"/>
-            <a:ext cx="2894040" cy="363600"/>
+            <a:ext cx="2893680" cy="363240"/>
           </a:xfrm>
           <a:prstGeom prst="rect">
             <a:avLst/>
@@ -3384,7 +3467,7 @@
         <p:spPr>
           <a:xfrm>
             <a:off x="6553080" y="6356520"/>
-            <a:ext cx="2132280" cy="363600"/>
+            <a:ext cx="2131920" cy="363240"/>
           </a:xfrm>
           <a:prstGeom prst="rect">
             <a:avLst/>
@@ -3427,7 +3510,7 @@
                 <a:tab algn="l" pos="0"/>
               </a:tabLst>
             </a:pPr>
-            <a:fld id="{B1FE74B1-0A4B-45AA-884C-7BB81EB99888}" type="slidenum">
+            <a:fld id="{D8E84374-6B46-4EEE-AF45-9E163F6D0224}" type="slidenum">
               <a:rPr b="0" lang="en-US" sz="1200" spc="-1" strike="noStrike">
                 <a:solidFill>
                   <a:schemeClr val="dk1">
@@ -3460,7 +3543,7 @@
         <p:spPr>
           <a:xfrm>
             <a:off x="457200" y="6356520"/>
-            <a:ext cx="2132280" cy="363600"/>
+            <a:ext cx="2131920" cy="363240"/>
           </a:xfrm>
           <a:prstGeom prst="rect">
             <a:avLst/>
@@ -3511,7 +3594,7 @@
   </p:cSld>
   <p:clrMap bg1="lt1" bg2="lt2" tx1="dk1" tx2="dk2" accent1="accent1" accent2="accent2" accent3="accent3" accent4="accent4" accent5="accent5" accent6="accent6" hlink="hlink" folHlink="folHlink"/>
   <p:sldLayoutIdLst>
-    <p:sldLayoutId id="2147483657" r:id="rId2"/>
+    <p:sldLayoutId id="2147483658" r:id="rId2"/>
   </p:sldLayoutIdLst>
 </p:sldMaster>
 </file>
@@ -3553,7 +3636,7 @@
         <p:spPr>
           <a:xfrm>
             <a:off x="457200" y="274680"/>
-            <a:ext cx="8228160" cy="1141560"/>
+            <a:ext cx="8227800" cy="1141200"/>
           </a:xfrm>
           <a:prstGeom prst="rect">
             <a:avLst/>
@@ -3602,7 +3685,7 @@
         <p:spPr>
           <a:xfrm>
             <a:off x="457200" y="1600200"/>
-            <a:ext cx="4015080" cy="4524480"/>
+            <a:ext cx="4014720" cy="4524120"/>
           </a:xfrm>
           <a:prstGeom prst="rect">
             <a:avLst/>
@@ -3826,8 +3909,8 @@
         </p:nvSpPr>
         <p:spPr>
           <a:xfrm>
-            <a:off x="4673880" y="1600200"/>
-            <a:ext cx="4015080" cy="4524480"/>
+            <a:off x="4673520" y="1600200"/>
+            <a:ext cx="4014720" cy="4524120"/>
           </a:xfrm>
           <a:prstGeom prst="rect">
             <a:avLst/>
@@ -4052,7 +4135,7 @@
         <p:spPr>
           <a:xfrm>
             <a:off x="3124080" y="6356520"/>
-            <a:ext cx="2894040" cy="363600"/>
+            <a:ext cx="2893680" cy="363240"/>
           </a:xfrm>
           <a:prstGeom prst="rect">
             <a:avLst/>
@@ -4124,7 +4207,7 @@
         <p:spPr>
           <a:xfrm>
             <a:off x="6553080" y="6356520"/>
-            <a:ext cx="2132280" cy="363600"/>
+            <a:ext cx="2131920" cy="363240"/>
           </a:xfrm>
           <a:prstGeom prst="rect">
             <a:avLst/>
@@ -4167,7 +4250,7 @@
                 <a:tab algn="l" pos="0"/>
               </a:tabLst>
             </a:pPr>
-            <a:fld id="{A566F2B6-1B98-415E-9175-53574E79D7DF}" type="slidenum">
+            <a:fld id="{725778F3-4516-40DC-B837-49D62B726109}" type="slidenum">
               <a:rPr b="0" lang="en-US" sz="1200" spc="-1" strike="noStrike">
                 <a:solidFill>
                   <a:schemeClr val="dk1">
@@ -4200,7 +4283,7 @@
         <p:spPr>
           <a:xfrm>
             <a:off x="457200" y="6356520"/>
-            <a:ext cx="2132280" cy="363600"/>
+            <a:ext cx="2131920" cy="363240"/>
           </a:xfrm>
           <a:prstGeom prst="rect">
             <a:avLst/>
@@ -4251,7 +4334,7 @@
   </p:cSld>
   <p:clrMap bg1="lt1" bg2="lt2" tx1="dk1" tx2="dk2" accent1="accent1" accent2="accent2" accent3="accent3" accent4="accent4" accent5="accent5" accent6="accent6" hlink="hlink" folHlink="folHlink"/>
   <p:sldLayoutIdLst>
-    <p:sldLayoutId id="2147483659" r:id="rId2"/>
+    <p:sldLayoutId id="2147483660" r:id="rId2"/>
   </p:sldLayoutIdLst>
 </p:sldMaster>
 </file>
@@ -4293,7 +4376,7 @@
         <p:spPr>
           <a:xfrm>
             <a:off x="3124080" y="6356520"/>
-            <a:ext cx="2894040" cy="363600"/>
+            <a:ext cx="2893680" cy="363240"/>
           </a:xfrm>
           <a:prstGeom prst="rect">
             <a:avLst/>
@@ -4365,7 +4448,7 @@
         <p:spPr>
           <a:xfrm>
             <a:off x="6553080" y="6356520"/>
-            <a:ext cx="2132280" cy="363600"/>
+            <a:ext cx="2131920" cy="363240"/>
           </a:xfrm>
           <a:prstGeom prst="rect">
             <a:avLst/>
@@ -4408,7 +4491,7 @@
                 <a:tab algn="l" pos="0"/>
               </a:tabLst>
             </a:pPr>
-            <a:fld id="{3B8B6C03-CF61-4CBD-AD32-E425FB4DCCDA}" type="slidenum">
+            <a:fld id="{99637EAF-CA47-44D3-B321-264B959A5E6F}" type="slidenum">
               <a:rPr b="0" lang="en-US" sz="1200" spc="-1" strike="noStrike">
                 <a:solidFill>
                   <a:schemeClr val="dk1">
@@ -4441,7 +4524,7 @@
         <p:spPr>
           <a:xfrm>
             <a:off x="457200" y="6356520"/>
-            <a:ext cx="2132280" cy="363600"/>
+            <a:ext cx="2131920" cy="363240"/>
           </a:xfrm>
           <a:prstGeom prst="rect">
             <a:avLst/>
@@ -4492,7 +4575,7 @@
   </p:cSld>
   <p:clrMap bg1="lt1" bg2="lt2" tx1="dk1" tx2="dk2" accent1="accent1" accent2="accent2" accent3="accent3" accent4="accent4" accent5="accent5" accent6="accent6" hlink="hlink" folHlink="folHlink"/>
   <p:sldLayoutIdLst>
-    <p:sldLayoutId id="2147483661" r:id="rId2"/>
+    <p:sldLayoutId id="2147483662" r:id="rId2"/>
   </p:sldLayoutIdLst>
 </p:sldMaster>
 </file>
@@ -4534,7 +4617,7 @@
         <p:spPr>
           <a:xfrm>
             <a:off x="457200" y="274680"/>
-            <a:ext cx="8228160" cy="1141560"/>
+            <a:ext cx="8227800" cy="1141200"/>
           </a:xfrm>
           <a:prstGeom prst="rect">
             <a:avLst/>
@@ -4583,7 +4666,7 @@
         <p:spPr>
           <a:xfrm>
             <a:off x="3124080" y="6356520"/>
-            <a:ext cx="2894040" cy="363600"/>
+            <a:ext cx="2893680" cy="363240"/>
           </a:xfrm>
           <a:prstGeom prst="rect">
             <a:avLst/>
@@ -4655,7 +4738,7 @@
         <p:spPr>
           <a:xfrm>
             <a:off x="6553080" y="6356520"/>
-            <a:ext cx="2132280" cy="363600"/>
+            <a:ext cx="2131920" cy="363240"/>
           </a:xfrm>
           <a:prstGeom prst="rect">
             <a:avLst/>
@@ -4698,7 +4781,7 @@
                 <a:tab algn="l" pos="0"/>
               </a:tabLst>
             </a:pPr>
-            <a:fld id="{5B16D783-F0C2-45AB-81F5-84C940EEEB0C}" type="slidenum">
+            <a:fld id="{205393C6-76A2-4A48-9463-634FBBB208A3}" type="slidenum">
               <a:rPr b="0" lang="en-US" sz="1200" spc="-1" strike="noStrike">
                 <a:solidFill>
                   <a:schemeClr val="dk1">
@@ -4731,7 +4814,7 @@
         <p:spPr>
           <a:xfrm>
             <a:off x="457200" y="6356520"/>
-            <a:ext cx="2132280" cy="363600"/>
+            <a:ext cx="2131920" cy="363240"/>
           </a:xfrm>
           <a:prstGeom prst="rect">
             <a:avLst/>
@@ -4782,7 +4865,7 @@
   </p:cSld>
   <p:clrMap bg1="lt1" bg2="lt2" tx1="dk1" tx2="dk2" accent1="accent1" accent2="accent2" accent3="accent3" accent4="accent4" accent5="accent5" accent6="accent6" hlink="hlink" folHlink="folHlink"/>
   <p:sldLayoutIdLst>
-    <p:sldLayoutId id="2147483663" r:id="rId2"/>
+    <p:sldLayoutId id="2147483664" r:id="rId2"/>
   </p:sldLayoutIdLst>
 </p:sldMaster>
 </file>
@@ -4824,7 +4907,7 @@
         <p:spPr>
           <a:xfrm>
             <a:off x="3124080" y="6356520"/>
-            <a:ext cx="2894040" cy="363600"/>
+            <a:ext cx="2893680" cy="363240"/>
           </a:xfrm>
           <a:prstGeom prst="rect">
             <a:avLst/>
@@ -4896,7 +4979,7 @@
         <p:spPr>
           <a:xfrm>
             <a:off x="6553080" y="6356520"/>
-            <a:ext cx="2132280" cy="363600"/>
+            <a:ext cx="2131920" cy="363240"/>
           </a:xfrm>
           <a:prstGeom prst="rect">
             <a:avLst/>
@@ -4939,7 +5022,7 @@
                 <a:tab algn="l" pos="0"/>
               </a:tabLst>
             </a:pPr>
-            <a:fld id="{C31E2155-4E6C-499F-BE51-A298FF106291}" type="slidenum">
+            <a:fld id="{17BB173A-6F48-4B13-B94E-5A7D92EF7769}" type="slidenum">
               <a:rPr b="0" lang="en-US" sz="1200" spc="-1" strike="noStrike">
                 <a:solidFill>
                   <a:schemeClr val="dk1">
@@ -4972,7 +5055,7 @@
         <p:spPr>
           <a:xfrm>
             <a:off x="457200" y="6356520"/>
-            <a:ext cx="2132280" cy="363600"/>
+            <a:ext cx="2131920" cy="363240"/>
           </a:xfrm>
           <a:prstGeom prst="rect">
             <a:avLst/>
@@ -5023,7 +5106,7 @@
   </p:cSld>
   <p:clrMap bg1="lt1" bg2="lt2" tx1="dk1" tx2="dk2" accent1="accent1" accent2="accent2" accent3="accent3" accent4="accent4" accent5="accent5" accent6="accent6" hlink="hlink" folHlink="folHlink"/>
   <p:sldLayoutIdLst>
-    <p:sldLayoutId id="2147483665" r:id="rId2"/>
+    <p:sldLayoutId id="2147483666" r:id="rId2"/>
   </p:sldLayoutIdLst>
 </p:sldMaster>
 </file>
@@ -5058,7 +5141,7 @@
         <p:spPr>
           <a:xfrm>
             <a:off x="685800" y="1338480"/>
-            <a:ext cx="7770960" cy="1468440"/>
+            <a:ext cx="7770600" cy="1468080"/>
           </a:xfrm>
           <a:prstGeom prst="rect">
             <a:avLst/>
@@ -5113,7 +5196,7 @@
         <p:spPr>
           <a:xfrm>
             <a:off x="1371600" y="3166200"/>
-            <a:ext cx="6399360" cy="1751040"/>
+            <a:ext cx="6399000" cy="1750680"/>
           </a:xfrm>
           <a:prstGeom prst="rect">
             <a:avLst/>
@@ -5259,7 +5342,7 @@
         <p:spPr>
           <a:xfrm>
             <a:off x="1143000" y="4800600"/>
-            <a:ext cx="7314120" cy="1141920"/>
+            <a:ext cx="7313760" cy="1141560"/>
           </a:xfrm>
           <a:prstGeom prst="rect">
             <a:avLst/>
@@ -5326,7 +5409,7 @@
       </p:grpSpPr>
       <p:sp>
         <p:nvSpPr>
-          <p:cNvPr id="69" name="PlaceHolder 1"/>
+          <p:cNvPr id="68" name="PlaceHolder 1"/>
           <p:cNvSpPr>
             <a:spLocks noGrp="1"/>
           </p:cNvSpPr>
@@ -5337,7 +5420,7 @@
         <p:spPr>
           <a:xfrm>
             <a:off x="457200" y="274680"/>
-            <a:ext cx="8228160" cy="1141560"/>
+            <a:ext cx="8227800" cy="1141200"/>
           </a:xfrm>
           <a:prstGeom prst="rect">
             <a:avLst/>
@@ -5387,7 +5470,7 @@
       </p:sp>
       <p:sp>
         <p:nvSpPr>
-          <p:cNvPr id="70" name="PlaceHolder 2"/>
+          <p:cNvPr id="69" name="PlaceHolder 2"/>
           <p:cNvSpPr>
             <a:spLocks noGrp="1"/>
           </p:cNvSpPr>
@@ -5398,7 +5481,7 @@
         <p:spPr>
           <a:xfrm>
             <a:off x="228600" y="1600200"/>
-            <a:ext cx="8228160" cy="4524480"/>
+            <a:ext cx="8227800" cy="4524120"/>
           </a:xfrm>
           <a:prstGeom prst="rect">
             <a:avLst/>
@@ -5588,13 +5671,13 @@
       </p:sp>
       <p:graphicFrame>
         <p:nvGraphicFramePr>
-          <p:cNvPr id="71" name=""/>
+          <p:cNvPr id="70" name=""/>
           <p:cNvGraphicFramePr/>
           <p:nvPr/>
         </p:nvGraphicFramePr>
         <p:xfrm>
           <a:off x="521280" y="4235760"/>
-          <a:ext cx="7712280" cy="1738800"/>
+          <a:ext cx="7712280" cy="2360520"/>
         </p:xfrm>
         <a:graphic>
           <a:graphicData uri="http://schemas.openxmlformats.org/drawingml/2006/table">
@@ -5680,7 +5763,7 @@
                           </a:solidFill>
                           <a:latin typeface="Calibri"/>
                         </a:rPr>
-                        <a:t>74.88</a:t>
+                        <a:t>34.42</a:t>
                       </a:r>
                       <a:endParaRPr b="0" lang="en-US" sz="1800" spc="-1" strike="noStrike">
                         <a:solidFill>
@@ -5736,7 +5819,7 @@
                           </a:solidFill>
                           <a:latin typeface="Calibri"/>
                         </a:rPr>
-                        <a:t>When age is 0 (theoretically), the predicted score is 74.88. This is the baseline.</a:t>
+                        <a:t>When age is 0 (theoretically), the predicted score is 34.42. This is the baseline.</a:t>
                       </a:r>
                       <a:endParaRPr b="0" lang="en-US" sz="1800" spc="-1" strike="noStrike">
                         <a:solidFill>
@@ -5850,7 +5933,7 @@
                           </a:solidFill>
                           <a:latin typeface="Calibri"/>
                         </a:rPr>
-                        <a:t>-0.43</a:t>
+                        <a:t>1.58</a:t>
                       </a:r>
                       <a:endParaRPr b="0" lang="en-US" sz="1800" spc="-1" strike="noStrike">
                         <a:solidFill>
@@ -5906,7 +5989,7 @@
                           </a:solidFill>
                           <a:latin typeface="Calibri"/>
                         </a:rPr>
-                        <a:t>For each additional year in age, the average score decreases by 0.43 points, holding all else constant.</a:t>
+                        <a:t>For each additional year in age, the average score increases by 1.58 points, holding all else constant.</a:t>
                       </a:r>
                       <a:endParaRPr b="0" lang="en-US" sz="1800" spc="-1" strike="noStrike">
                         <a:solidFill>
@@ -5981,7 +6064,7 @@
       </p:grpSpPr>
       <p:sp>
         <p:nvSpPr>
-          <p:cNvPr id="72" name="PlaceHolder 1"/>
+          <p:cNvPr id="71" name="PlaceHolder 1"/>
           <p:cNvSpPr>
             <a:spLocks noGrp="1"/>
           </p:cNvSpPr>
@@ -5992,7 +6075,7 @@
         <p:spPr>
           <a:xfrm>
             <a:off x="457200" y="274680"/>
-            <a:ext cx="8228160" cy="1141560"/>
+            <a:ext cx="8227800" cy="1141200"/>
           </a:xfrm>
           <a:prstGeom prst="rect">
             <a:avLst/>
@@ -6042,7 +6125,7 @@
       </p:sp>
       <p:sp>
         <p:nvSpPr>
-          <p:cNvPr id="73" name="PlaceHolder 2"/>
+          <p:cNvPr id="72" name="PlaceHolder 2"/>
           <p:cNvSpPr>
             <a:spLocks noGrp="1"/>
           </p:cNvSpPr>
@@ -6053,7 +6136,7 @@
         <p:spPr>
           <a:xfrm>
             <a:off x="228600" y="1600200"/>
-            <a:ext cx="8228160" cy="4524480"/>
+            <a:ext cx="8227800" cy="4524120"/>
           </a:xfrm>
           <a:prstGeom prst="rect">
             <a:avLst/>
@@ -6124,7 +6207,27 @@
                 <a:latin typeface="Calibri"/>
                 <a:ea typeface="Noto Sans Mono CJK SC"/>
               </a:rPr>
-              <a:t>The p-value for Age is 0.0242, which is less than 0.05 → it is statistically significant.</a:t>
+              <a:t>p-value for Age: 1.46e-15 (which is &lt; 0.001), marked as </a:t>
+            </a:r>
+            <a:r>
+              <a:rPr b="1" lang="en-US" sz="3200" spc="-1" strike="noStrike">
+                <a:solidFill>
+                  <a:srgbClr val="000000"/>
+                </a:solidFill>
+                <a:latin typeface="Calibri"/>
+                <a:ea typeface="Noto Sans Mono CJK SC"/>
+              </a:rPr>
+              <a:t>***</a:t>
+            </a:r>
+            <a:r>
+              <a:rPr b="0" lang="en-US" sz="3200" spc="-1" strike="noStrike">
+                <a:solidFill>
+                  <a:srgbClr val="000000"/>
+                </a:solidFill>
+                <a:latin typeface="Calibri"/>
+                <a:ea typeface="Noto Sans Mono CJK SC"/>
+              </a:rPr>
+              <a:t>. This means the relationship between Age and Score is highly statistically significant.</a:t>
             </a:r>
             <a:endParaRPr b="0" lang="en-US" sz="3200" spc="-1" strike="noStrike">
               <a:solidFill>
@@ -6156,7 +6259,7 @@
                 <a:latin typeface="Calibri"/>
                 <a:ea typeface="Noto Sans Mono CJK SC"/>
               </a:rPr>
-              <a:t>That means there's evidence of a negative relationship between age and score.</a:t>
+              <a:t>That means there's evidence of a positive relationship between age and score.</a:t>
             </a:r>
             <a:endParaRPr b="0" lang="en-US" sz="3200" spc="-1" strike="noStrike">
               <a:solidFill>
@@ -6219,7 +6322,7 @@
       </p:grpSpPr>
       <p:sp>
         <p:nvSpPr>
-          <p:cNvPr id="74" name="PlaceHolder 1"/>
+          <p:cNvPr id="73" name="PlaceHolder 1"/>
           <p:cNvSpPr>
             <a:spLocks noGrp="1"/>
           </p:cNvSpPr>
@@ -6230,7 +6333,7 @@
         <p:spPr>
           <a:xfrm>
             <a:off x="457200" y="274680"/>
-            <a:ext cx="8228160" cy="1141560"/>
+            <a:ext cx="8227800" cy="1141200"/>
           </a:xfrm>
           <a:prstGeom prst="rect">
             <a:avLst/>
@@ -6274,7 +6377,7 @@
       </p:sp>
       <p:sp>
         <p:nvSpPr>
-          <p:cNvPr id="75" name="PlaceHolder 2"/>
+          <p:cNvPr id="74" name="PlaceHolder 2"/>
           <p:cNvSpPr>
             <a:spLocks noGrp="1"/>
           </p:cNvSpPr>
@@ -6285,7 +6388,7 @@
         <p:spPr>
           <a:xfrm>
             <a:off x="457200" y="1600200"/>
-            <a:ext cx="8228160" cy="4524480"/>
+            <a:ext cx="8227800" cy="4524120"/>
           </a:xfrm>
           <a:prstGeom prst="rect">
             <a:avLst/>
@@ -6494,7 +6597,7 @@
       </p:grpSpPr>
       <p:sp>
         <p:nvSpPr>
-          <p:cNvPr id="76" name="PlaceHolder 1"/>
+          <p:cNvPr id="75" name="PlaceHolder 1"/>
           <p:cNvSpPr>
             <a:spLocks noGrp="1"/>
           </p:cNvSpPr>
@@ -6505,7 +6608,7 @@
         <p:spPr>
           <a:xfrm>
             <a:off x="457200" y="274680"/>
-            <a:ext cx="8228160" cy="1141560"/>
+            <a:ext cx="8227800" cy="1141200"/>
           </a:xfrm>
           <a:prstGeom prst="rect">
             <a:avLst/>
@@ -6549,7 +6652,7 @@
       </p:sp>
       <p:sp>
         <p:nvSpPr>
-          <p:cNvPr id="77" name="PlaceHolder 2"/>
+          <p:cNvPr id="76" name="PlaceHolder 2"/>
           <p:cNvSpPr>
             <a:spLocks noGrp="1"/>
           </p:cNvSpPr>
@@ -6560,7 +6663,7 @@
         <p:spPr>
           <a:xfrm>
             <a:off x="457200" y="1600200"/>
-            <a:ext cx="8228160" cy="4524480"/>
+            <a:ext cx="8227800" cy="4524120"/>
           </a:xfrm>
           <a:prstGeom prst="rect">
             <a:avLst/>
@@ -6620,7 +6723,16 @@
                 </a:solidFill>
                 <a:latin typeface="Calibri"/>
               </a:rPr>
-              <a:t>model2 &lt;- lm(Score ~ Age + Gender + Programme, data=ds)</a:t>
+              <a:t>model2 &lt;- lm(Score ~ Age + Gender + </a:t>
+            </a:r>
+            <a:r>
+              <a:rPr b="0" lang="en-US" sz="3200" spc="-1" strike="noStrike">
+                <a:solidFill>
+                  <a:schemeClr val="dk1"/>
+                </a:solidFill>
+                <a:latin typeface="Calibri"/>
+              </a:rPr>
+              <a:t>Programme, data=ds)</a:t>
             </a:r>
             <a:endParaRPr b="0" lang="en-US" sz="3200" spc="-1" strike="noStrike">
               <a:solidFill>
@@ -6741,7 +6853,7 @@
       </p:grpSpPr>
       <p:sp>
         <p:nvSpPr>
-          <p:cNvPr id="78" name="PlaceHolder 1"/>
+          <p:cNvPr id="77" name="PlaceHolder 1"/>
           <p:cNvSpPr>
             <a:spLocks noGrp="1"/>
           </p:cNvSpPr>
@@ -6752,7 +6864,7 @@
         <p:spPr>
           <a:xfrm>
             <a:off x="457200" y="274680"/>
-            <a:ext cx="8228160" cy="1141560"/>
+            <a:ext cx="8227800" cy="1141200"/>
           </a:xfrm>
           <a:prstGeom prst="rect">
             <a:avLst/>
@@ -6800,52 +6912,9 @@
           </a:p>
         </p:txBody>
       </p:sp>
-      <p:sp>
-        <p:nvSpPr>
-          <p:cNvPr id="79" name="PlaceHolder 2"/>
-          <p:cNvSpPr>
-            <a:spLocks noGrp="1"/>
-          </p:cNvSpPr>
-          <p:nvPr>
-            <p:ph/>
-          </p:nvPr>
-        </p:nvSpPr>
-        <p:spPr>
-          <a:xfrm>
-            <a:off x="228600" y="1600200"/>
-            <a:ext cx="8228160" cy="4524480"/>
-          </a:xfrm>
-          <a:prstGeom prst="rect">
-            <a:avLst/>
-          </a:prstGeom>
-          <a:noFill/>
-          <a:ln w="0">
-            <a:noFill/>
-          </a:ln>
-        </p:spPr>
-        <p:txBody>
-          <a:bodyPr lIns="91440" rIns="91440" tIns="45720" bIns="45720" anchor="t">
-            <a:noAutofit/>
-          </a:bodyPr>
-          <a:p>
-            <a:pPr indent="0">
-              <a:spcBef>
-                <a:spcPts val="1417"/>
-              </a:spcBef>
-              <a:buNone/>
-            </a:pPr>
-            <a:endParaRPr b="0" lang="en-US" sz="1800" spc="-1" strike="noStrike">
-              <a:solidFill>
-                <a:srgbClr val="000000"/>
-              </a:solidFill>
-              <a:latin typeface="Arial"/>
-            </a:endParaRPr>
-          </a:p>
-        </p:txBody>
-      </p:sp>
       <p:pic>
         <p:nvPicPr>
-          <p:cNvPr id="80" name="" descr=""/>
+          <p:cNvPr id="78" name="" descr=""/>
           <p:cNvPicPr/>
           <p:nvPr/>
         </p:nvPicPr>
@@ -6856,7 +6925,7 @@
         <p:spPr>
           <a:xfrm>
             <a:off x="399240" y="1197360"/>
-            <a:ext cx="8118000" cy="3831480"/>
+            <a:ext cx="8117640" cy="3831120"/>
           </a:xfrm>
           <a:prstGeom prst="rect">
             <a:avLst/>
@@ -6898,7 +6967,7 @@
       </p:grpSpPr>
       <p:sp>
         <p:nvSpPr>
-          <p:cNvPr id="81" name="PlaceHolder 1"/>
+          <p:cNvPr id="79" name="PlaceHolder 1"/>
           <p:cNvSpPr>
             <a:spLocks noGrp="1"/>
           </p:cNvSpPr>
@@ -6908,8 +6977,8 @@
         </p:nvSpPr>
         <p:spPr>
           <a:xfrm>
-            <a:off x="385200" y="22680"/>
-            <a:ext cx="8228160" cy="1141560"/>
+            <a:off x="457200" y="22680"/>
+            <a:ext cx="8227800" cy="1141200"/>
           </a:xfrm>
           <a:prstGeom prst="rect">
             <a:avLst/>
@@ -6946,7 +7015,7 @@
                 </a:solidFill>
                 <a:latin typeface="Calibri"/>
               </a:rPr>
-              <a:t>Model Summary Interpretation</a:t>
+              <a:t>Cont...</a:t>
             </a:r>
             <a:endParaRPr b="0" lang="en-US" sz="4400" spc="-1" strike="noStrike">
               <a:solidFill>
@@ -6959,7 +7028,7 @@
       </p:sp>
       <p:sp>
         <p:nvSpPr>
-          <p:cNvPr id="82" name="PlaceHolder 2"/>
+          <p:cNvPr id="80" name="PlaceHolder 2"/>
           <p:cNvSpPr>
             <a:spLocks noGrp="1"/>
           </p:cNvSpPr>
@@ -6969,8 +7038,8 @@
         </p:nvSpPr>
         <p:spPr>
           <a:xfrm>
-            <a:off x="276480" y="1359000"/>
-            <a:ext cx="8228160" cy="4524480"/>
+            <a:off x="276480" y="999000"/>
+            <a:ext cx="8227800" cy="4524120"/>
           </a:xfrm>
           <a:prstGeom prst="rect">
             <a:avLst/>
@@ -7001,14 +7070,14 @@
               </a:tabLst>
             </a:pPr>
             <a:r>
-              <a:rPr b="1" lang="en-US" sz="3200" spc="-1" strike="noStrike">
+              <a:rPr b="0" i="1" lang="en-US" sz="3200" spc="-1" strike="noStrike">
                 <a:solidFill>
                   <a:srgbClr val="000000"/>
                 </a:solidFill>
                 <a:latin typeface="Calibri"/>
                 <a:ea typeface="Noto Sans Mono CJK SC"/>
               </a:rPr>
-              <a:t>Intercept(73.8911):</a:t>
+              <a:t>Predicted Score=40.4978+1.4750×Age−0.8896×GenderMale</a:t>
             </a:r>
             <a:endParaRPr b="0" lang="en-US" sz="3200" spc="-1" strike="noStrike">
               <a:solidFill>
@@ -7034,14 +7103,24 @@
               </a:tabLst>
             </a:pPr>
             <a:r>
-              <a:rPr b="0" lang="en-US" sz="3200" spc="-1" strike="noStrike">
+              <a:rPr b="0" i="1" lang="en-US" sz="3200" spc="-1" strike="noStrike">
                 <a:solidFill>
                   <a:srgbClr val="000000"/>
                 </a:solidFill>
                 <a:latin typeface="Calibri"/>
                 <a:ea typeface="Noto Sans Mono CJK SC"/>
               </a:rPr>
-              <a:t>This is the baseline predicted score when: Age = 0 (theoretical, not practical in this context),Gender = Female (since Male is coded as a dummy variable), Programme = Business (because it's the reference category — other programs are compared to it).</a:t>
+              <a:t>−</a:t>
+            </a:r>
+            <a:r>
+              <a:rPr b="0" i="1" lang="en-US" sz="3200" spc="-1" strike="noStrike">
+                <a:solidFill>
+                  <a:srgbClr val="000000"/>
+                </a:solidFill>
+                <a:latin typeface="Calibri"/>
+                <a:ea typeface="Noto Sans Mono CJK SC"/>
+              </a:rPr>
+              <a:t>4.4202×ProgrammeComputerScience</a:t>
             </a:r>
             <a:endParaRPr b="0" lang="en-US" sz="3200" spc="-1" strike="noStrike">
               <a:solidFill>
@@ -7066,6 +7145,168 @@
                 <a:tab algn="l" pos="0"/>
               </a:tabLst>
             </a:pPr>
+            <a:r>
+              <a:rPr b="0" i="1" lang="en-US" sz="3200" spc="-1" strike="noStrike">
+                <a:solidFill>
+                  <a:srgbClr val="000000"/>
+                </a:solidFill>
+                <a:latin typeface="Calibri"/>
+                <a:ea typeface="Noto Sans Mono CJK SC"/>
+              </a:rPr>
+              <a:t>−</a:t>
+            </a:r>
+            <a:r>
+              <a:rPr b="0" i="1" lang="en-US" sz="3200" spc="-1" strike="noStrike">
+                <a:solidFill>
+                  <a:srgbClr val="000000"/>
+                </a:solidFill>
+                <a:latin typeface="Calibri"/>
+                <a:ea typeface="Noto Sans Mono CJK SC"/>
+              </a:rPr>
+              <a:t>8.8301×ProgrammeEngineering</a:t>
+            </a:r>
+            <a:endParaRPr b="0" lang="en-US" sz="3200" spc="-1" strike="noStrike">
+              <a:solidFill>
+                <a:srgbClr val="000000"/>
+              </a:solidFill>
+              <a:latin typeface="Arial"/>
+            </a:endParaRPr>
+          </a:p>
+          <a:p>
+            <a:pPr marL="343080" indent="0" defTabSz="457200">
+              <a:lnSpc>
+                <a:spcPct val="100000"/>
+              </a:lnSpc>
+              <a:spcBef>
+                <a:spcPts val="1191"/>
+              </a:spcBef>
+              <a:spcAft>
+                <a:spcPts val="992"/>
+              </a:spcAft>
+              <a:buNone/>
+              <a:tabLst>
+                <a:tab algn="l" pos="0"/>
+              </a:tabLst>
+            </a:pPr>
+            <a:r>
+              <a:rPr b="0" i="1" lang="en-US" sz="3200" spc="-1" strike="noStrike">
+                <a:solidFill>
+                  <a:srgbClr val="000000"/>
+                </a:solidFill>
+                <a:latin typeface="Calibri"/>
+                <a:ea typeface="Noto Sans Mono CJK SC"/>
+              </a:rPr>
+              <a:t>−</a:t>
+            </a:r>
+            <a:r>
+              <a:rPr b="0" i="1" lang="en-US" sz="3200" spc="-1" strike="noStrike">
+                <a:solidFill>
+                  <a:srgbClr val="000000"/>
+                </a:solidFill>
+                <a:latin typeface="Calibri"/>
+                <a:ea typeface="Noto Sans Mono CJK SC"/>
+              </a:rPr>
+              <a:t>1.7332×ProgrammeStatistics</a:t>
+            </a:r>
+            <a:endParaRPr b="0" lang="en-US" sz="3200" spc="-1" strike="noStrike">
+              <a:solidFill>
+                <a:srgbClr val="000000"/>
+              </a:solidFill>
+              <a:latin typeface="Arial"/>
+            </a:endParaRPr>
+          </a:p>
+          <a:p>
+            <a:pPr marL="343080" indent="0" defTabSz="457200">
+              <a:lnSpc>
+                <a:spcPct val="100000"/>
+              </a:lnSpc>
+              <a:spcBef>
+                <a:spcPts val="1191"/>
+              </a:spcBef>
+              <a:spcAft>
+                <a:spcPts val="992"/>
+              </a:spcAft>
+              <a:buNone/>
+              <a:tabLst>
+                <a:tab algn="l" pos="0"/>
+              </a:tabLst>
+            </a:pPr>
+            <a:r>
+              <a:rPr b="0" lang="en-US" sz="3200" spc="-1" strike="noStrike">
+                <a:solidFill>
+                  <a:srgbClr val="000000"/>
+                </a:solidFill>
+                <a:latin typeface="Calibri"/>
+                <a:ea typeface="Noto Sans Mono CJK SC"/>
+              </a:rPr>
+              <a:t>So, a female Business student aged 0 (theoretically) would have a predicted score of </a:t>
+            </a:r>
+            <a:r>
+              <a:rPr b="0" i="1" lang="en-US" sz="3200" spc="-1" strike="noStrike">
+                <a:solidFill>
+                  <a:srgbClr val="000000"/>
+                </a:solidFill>
+                <a:latin typeface="Calibri"/>
+                <a:ea typeface="Noto Sans Mono CJK SC"/>
+              </a:rPr>
+              <a:t>40.4978</a:t>
+            </a:r>
+            <a:r>
+              <a:rPr b="0" lang="en-US" sz="3200" spc="-1" strike="noStrike">
+                <a:solidFill>
+                  <a:srgbClr val="000000"/>
+                </a:solidFill>
+                <a:latin typeface="Calibri"/>
+                <a:ea typeface="Noto Sans Mono CJK SC"/>
+              </a:rPr>
+              <a:t>.</a:t>
+            </a:r>
+            <a:endParaRPr b="0" lang="en-US" sz="3200" spc="-1" strike="noStrike">
+              <a:solidFill>
+                <a:srgbClr val="000000"/>
+              </a:solidFill>
+              <a:latin typeface="Arial"/>
+            </a:endParaRPr>
+          </a:p>
+          <a:p>
+            <a:pPr marL="343080" indent="0" defTabSz="457200">
+              <a:lnSpc>
+                <a:spcPct val="100000"/>
+              </a:lnSpc>
+              <a:spcBef>
+                <a:spcPts val="1191"/>
+              </a:spcBef>
+              <a:spcAft>
+                <a:spcPts val="992"/>
+              </a:spcAft>
+              <a:buNone/>
+              <a:tabLst>
+                <a:tab algn="l" pos="0"/>
+              </a:tabLst>
+            </a:pPr>
+            <a:endParaRPr b="0" lang="en-US" sz="3200" spc="-1" strike="noStrike">
+              <a:solidFill>
+                <a:srgbClr val="000000"/>
+              </a:solidFill>
+              <a:latin typeface="Arial"/>
+            </a:endParaRPr>
+          </a:p>
+          <a:p>
+            <a:pPr marL="343080" indent="0" defTabSz="457200">
+              <a:lnSpc>
+                <a:spcPct val="100000"/>
+              </a:lnSpc>
+              <a:spcBef>
+                <a:spcPts val="1191"/>
+              </a:spcBef>
+              <a:spcAft>
+                <a:spcPts val="992"/>
+              </a:spcAft>
+              <a:buNone/>
+              <a:tabLst>
+                <a:tab algn="l" pos="0"/>
+              </a:tabLst>
+            </a:pPr>
             <a:endParaRPr b="0" lang="en-US" sz="3200" spc="-1" strike="noStrike">
               <a:solidFill>
                 <a:srgbClr val="000000"/>
@@ -7086,7 +7327,7 @@
                 <a:tab algn="l" pos="0"/>
               </a:tabLst>
             </a:pPr>
-            <a:endParaRPr b="0" lang="en-US" sz="2400" spc="-1" strike="noStrike">
+            <a:endParaRPr b="0" lang="en-US" sz="3200" spc="-1" strike="noStrike">
               <a:solidFill>
                 <a:srgbClr val="000000"/>
               </a:solidFill>
@@ -7127,7 +7368,7 @@
       </p:grpSpPr>
       <p:sp>
         <p:nvSpPr>
-          <p:cNvPr id="83" name="PlaceHolder 1"/>
+          <p:cNvPr id="81" name="PlaceHolder 1"/>
           <p:cNvSpPr>
             <a:spLocks noGrp="1"/>
           </p:cNvSpPr>
@@ -7137,8 +7378,8 @@
         </p:nvSpPr>
         <p:spPr>
           <a:xfrm>
-            <a:off x="457200" y="22680"/>
-            <a:ext cx="8228160" cy="1141560"/>
+            <a:off x="457200" y="274680"/>
+            <a:ext cx="8227800" cy="1141200"/>
           </a:xfrm>
           <a:prstGeom prst="rect">
             <a:avLst/>
@@ -7175,626 +7416,9 @@
                 </a:solidFill>
                 <a:latin typeface="Calibri"/>
               </a:rPr>
-              <a:t>Cont...</a:t>
+              <a:t>Predictor Interpretations</a:t>
             </a:r>
             <a:endParaRPr b="0" lang="en-US" sz="4400" spc="-1" strike="noStrike">
-              <a:solidFill>
-                <a:srgbClr val="000000"/>
-              </a:solidFill>
-              <a:latin typeface="Arial"/>
-            </a:endParaRPr>
-          </a:p>
-        </p:txBody>
-      </p:sp>
-      <p:sp>
-        <p:nvSpPr>
-          <p:cNvPr id="84" name="PlaceHolder 2"/>
-          <p:cNvSpPr>
-            <a:spLocks noGrp="1"/>
-          </p:cNvSpPr>
-          <p:nvPr>
-            <p:ph/>
-          </p:nvPr>
-        </p:nvSpPr>
-        <p:spPr>
-          <a:xfrm>
-            <a:off x="276480" y="999000"/>
-            <a:ext cx="8228160" cy="4524480"/>
-          </a:xfrm>
-          <a:prstGeom prst="rect">
-            <a:avLst/>
-          </a:prstGeom>
-          <a:noFill/>
-          <a:ln w="0">
-            <a:noFill/>
-          </a:ln>
-        </p:spPr>
-        <p:txBody>
-          <a:bodyPr lIns="91440" rIns="91440" tIns="45720" bIns="45720" anchor="t">
-            <a:noAutofit/>
-          </a:bodyPr>
-          <a:p>
-            <a:pPr marL="343080" indent="0" defTabSz="457200">
-              <a:lnSpc>
-                <a:spcPct val="100000"/>
-              </a:lnSpc>
-              <a:spcBef>
-                <a:spcPts val="1191"/>
-              </a:spcBef>
-              <a:spcAft>
-                <a:spcPts val="992"/>
-              </a:spcAft>
-              <a:buNone/>
-              <a:tabLst>
-                <a:tab algn="l" pos="0"/>
-              </a:tabLst>
-            </a:pPr>
-            <a:r>
-              <a:rPr b="1" i="1" lang="en-US" sz="3200" spc="-1" strike="noStrike">
-                <a:solidFill>
-                  <a:srgbClr val="000000"/>
-                </a:solidFill>
-                <a:latin typeface="Calibri"/>
-                <a:ea typeface="Noto Sans Mono CJK SC"/>
-              </a:rPr>
-              <a:t>Predicted Score</a:t>
-            </a:r>
-            <a:r>
-              <a:rPr b="0" i="1" lang="en-US" sz="3200" spc="-1" strike="noStrike">
-                <a:solidFill>
-                  <a:srgbClr val="000000"/>
-                </a:solidFill>
-                <a:latin typeface="Calibri"/>
-                <a:ea typeface="Noto Sans Mono CJK SC"/>
-              </a:rPr>
-              <a:t> = </a:t>
-            </a:r>
-            <a:r>
-              <a:rPr b="0" i="1" lang="en-US" sz="3200" spc="-1" strike="noStrike">
-                <a:solidFill>
-                  <a:srgbClr val="c9211e"/>
-                </a:solidFill>
-                <a:latin typeface="Calibri"/>
-                <a:ea typeface="Noto Sans Mono CJK SC"/>
-              </a:rPr>
-              <a:t>73.8911</a:t>
-            </a:r>
-            <a:endParaRPr b="0" lang="en-US" sz="3200" spc="-1" strike="noStrike">
-              <a:solidFill>
-                <a:srgbClr val="000000"/>
-              </a:solidFill>
-              <a:latin typeface="Arial"/>
-            </a:endParaRPr>
-          </a:p>
-          <a:p>
-            <a:pPr marL="343080" indent="0" defTabSz="457200">
-              <a:lnSpc>
-                <a:spcPct val="100000"/>
-              </a:lnSpc>
-              <a:spcBef>
-                <a:spcPts val="1191"/>
-              </a:spcBef>
-              <a:spcAft>
-                <a:spcPts val="992"/>
-              </a:spcAft>
-              <a:buNone/>
-              <a:tabLst>
-                <a:tab algn="l" pos="0"/>
-              </a:tabLst>
-            </a:pPr>
-            <a:r>
-              <a:rPr b="0" i="1" lang="en-US" sz="3200" spc="-1" strike="noStrike">
-                <a:solidFill>
-                  <a:srgbClr val="000000"/>
-                </a:solidFill>
-                <a:latin typeface="Calibri"/>
-                <a:ea typeface="Noto Sans Mono CJK SC"/>
-              </a:rPr>
-              <a:t>– </a:t>
-            </a:r>
-            <a:r>
-              <a:rPr b="0" i="1" lang="en-US" sz="3200" spc="-1" strike="noStrike">
-                <a:solidFill>
-                  <a:srgbClr val="c9211e"/>
-                </a:solidFill>
-                <a:latin typeface="Calibri"/>
-                <a:ea typeface="Noto Sans Mono CJK SC"/>
-              </a:rPr>
-              <a:t>0.4213</a:t>
-            </a:r>
-            <a:r>
-              <a:rPr b="0" i="1" lang="en-US" sz="3200" spc="-1" strike="noStrike">
-                <a:solidFill>
-                  <a:srgbClr val="000000"/>
-                </a:solidFill>
-                <a:latin typeface="Calibri"/>
-                <a:ea typeface="Noto Sans Mono CJK SC"/>
-              </a:rPr>
-              <a:t> × </a:t>
-            </a:r>
-            <a:r>
-              <a:rPr b="1" i="1" lang="en-US" sz="3200" spc="-1" strike="noStrike">
-                <a:solidFill>
-                  <a:srgbClr val="000000"/>
-                </a:solidFill>
-                <a:latin typeface="Calibri"/>
-                <a:ea typeface="Noto Sans Mono CJK SC"/>
-              </a:rPr>
-              <a:t>Age</a:t>
-            </a:r>
-            <a:r>
-              <a:rPr b="0" i="1" lang="en-US" sz="3200" spc="-1" strike="noStrike">
-                <a:solidFill>
-                  <a:srgbClr val="000000"/>
-                </a:solidFill>
-                <a:latin typeface="Calibri"/>
-                <a:ea typeface="Noto Sans Mono CJK SC"/>
-              </a:rPr>
-              <a:t> – </a:t>
-            </a:r>
-            <a:r>
-              <a:rPr b="0" i="1" lang="en-US" sz="3200" spc="-1" strike="noStrike">
-                <a:solidFill>
-                  <a:srgbClr val="c9211e"/>
-                </a:solidFill>
-                <a:latin typeface="Calibri"/>
-                <a:ea typeface="Noto Sans Mono CJK SC"/>
-              </a:rPr>
-              <a:t>0.4395</a:t>
-            </a:r>
-            <a:r>
-              <a:rPr b="0" i="1" lang="en-US" sz="3200" spc="-1" strike="noStrike">
-                <a:solidFill>
-                  <a:srgbClr val="000000"/>
-                </a:solidFill>
-                <a:latin typeface="Calibri"/>
-                <a:ea typeface="Noto Sans Mono CJK SC"/>
-              </a:rPr>
-              <a:t> × </a:t>
-            </a:r>
-            <a:r>
-              <a:rPr b="1" i="1" lang="en-US" sz="3200" spc="-1" strike="noStrike">
-                <a:solidFill>
-                  <a:srgbClr val="000000"/>
-                </a:solidFill>
-                <a:latin typeface="Calibri"/>
-                <a:ea typeface="Noto Sans Mono CJK SC"/>
-              </a:rPr>
-              <a:t>GenderMale</a:t>
-            </a:r>
-            <a:r>
-              <a:rPr b="0" i="1" lang="en-US" sz="3200" spc="-1" strike="noStrike">
-                <a:solidFill>
-                  <a:srgbClr val="000000"/>
-                </a:solidFill>
-                <a:latin typeface="Calibri"/>
-                <a:ea typeface="Noto Sans Mono CJK SC"/>
-              </a:rPr>
-              <a:t> </a:t>
-            </a:r>
-            <a:endParaRPr b="0" lang="en-US" sz="3200" spc="-1" strike="noStrike">
-              <a:solidFill>
-                <a:srgbClr val="000000"/>
-              </a:solidFill>
-              <a:latin typeface="Arial"/>
-            </a:endParaRPr>
-          </a:p>
-          <a:p>
-            <a:pPr marL="343080" indent="0" defTabSz="457200">
-              <a:lnSpc>
-                <a:spcPct val="100000"/>
-              </a:lnSpc>
-              <a:spcBef>
-                <a:spcPts val="1191"/>
-              </a:spcBef>
-              <a:spcAft>
-                <a:spcPts val="992"/>
-              </a:spcAft>
-              <a:buNone/>
-              <a:tabLst>
-                <a:tab algn="l" pos="0"/>
-              </a:tabLst>
-            </a:pPr>
-            <a:r>
-              <a:rPr b="0" i="1" lang="en-US" sz="3200" spc="-1" strike="noStrike">
-                <a:solidFill>
-                  <a:srgbClr val="000000"/>
-                </a:solidFill>
-                <a:latin typeface="Calibri"/>
-                <a:ea typeface="Noto Sans Mono CJK SC"/>
-              </a:rPr>
-              <a:t>+</a:t>
-            </a:r>
-            <a:r>
-              <a:rPr b="0" i="1" lang="en-US" sz="3200" spc="-1" strike="noStrike">
-                <a:solidFill>
-                  <a:srgbClr val="c9211e"/>
-                </a:solidFill>
-                <a:latin typeface="Calibri"/>
-                <a:ea typeface="Noto Sans Mono CJK SC"/>
-              </a:rPr>
-              <a:t>2.5730</a:t>
-            </a:r>
-            <a:r>
-              <a:rPr b="0" i="1" lang="en-US" sz="3200" spc="-1" strike="noStrike">
-                <a:solidFill>
-                  <a:srgbClr val="000000"/>
-                </a:solidFill>
-                <a:latin typeface="Calibri"/>
-                <a:ea typeface="Noto Sans Mono CJK SC"/>
-              </a:rPr>
-              <a:t>×</a:t>
-            </a:r>
-            <a:r>
-              <a:rPr b="1" i="1" lang="en-US" sz="3200" spc="-1" strike="noStrike">
-                <a:solidFill>
-                  <a:srgbClr val="000000"/>
-                </a:solidFill>
-                <a:latin typeface="Calibri"/>
-                <a:ea typeface="Noto Sans Mono CJK SC"/>
-              </a:rPr>
-              <a:t>ProgrammeComputerScience</a:t>
-            </a:r>
-            <a:endParaRPr b="0" lang="en-US" sz="3200" spc="-1" strike="noStrike">
-              <a:solidFill>
-                <a:srgbClr val="000000"/>
-              </a:solidFill>
-              <a:latin typeface="Arial"/>
-            </a:endParaRPr>
-          </a:p>
-          <a:p>
-            <a:pPr marL="343080" indent="0" defTabSz="457200">
-              <a:lnSpc>
-                <a:spcPct val="100000"/>
-              </a:lnSpc>
-              <a:spcBef>
-                <a:spcPts val="1191"/>
-              </a:spcBef>
-              <a:spcAft>
-                <a:spcPts val="992"/>
-              </a:spcAft>
-              <a:buNone/>
-              <a:tabLst>
-                <a:tab algn="l" pos="0"/>
-              </a:tabLst>
-            </a:pPr>
-            <a:r>
-              <a:rPr b="0" i="1" lang="en-US" sz="3200" spc="-1" strike="noStrike">
-                <a:solidFill>
-                  <a:srgbClr val="000000"/>
-                </a:solidFill>
-                <a:latin typeface="Calibri"/>
-                <a:ea typeface="Noto Sans Mono CJK SC"/>
-              </a:rPr>
-              <a:t>+ </a:t>
-            </a:r>
-            <a:r>
-              <a:rPr b="0" i="1" lang="en-US" sz="3200" spc="-1" strike="noStrike">
-                <a:solidFill>
-                  <a:srgbClr val="c9211e"/>
-                </a:solidFill>
-                <a:latin typeface="Calibri"/>
-                <a:ea typeface="Noto Sans Mono CJK SC"/>
-              </a:rPr>
-              <a:t>0.8986</a:t>
-            </a:r>
-            <a:r>
-              <a:rPr b="0" i="1" lang="en-US" sz="3200" spc="-1" strike="noStrike">
-                <a:solidFill>
-                  <a:srgbClr val="000000"/>
-                </a:solidFill>
-                <a:latin typeface="Calibri"/>
-                <a:ea typeface="Noto Sans Mono CJK SC"/>
-              </a:rPr>
-              <a:t> × </a:t>
-            </a:r>
-            <a:r>
-              <a:rPr b="1" i="1" lang="en-US" sz="3200" spc="-1" strike="noStrike">
-                <a:solidFill>
-                  <a:srgbClr val="000000"/>
-                </a:solidFill>
-                <a:latin typeface="Calibri"/>
-                <a:ea typeface="Noto Sans Mono CJK SC"/>
-              </a:rPr>
-              <a:t>ProgrammeEngineering </a:t>
-            </a:r>
-            <a:endParaRPr b="0" lang="en-US" sz="3200" spc="-1" strike="noStrike">
-              <a:solidFill>
-                <a:srgbClr val="000000"/>
-              </a:solidFill>
-              <a:latin typeface="Arial"/>
-            </a:endParaRPr>
-          </a:p>
-          <a:p>
-            <a:pPr marL="343080" indent="0" defTabSz="457200">
-              <a:lnSpc>
-                <a:spcPct val="100000"/>
-              </a:lnSpc>
-              <a:spcBef>
-                <a:spcPts val="1191"/>
-              </a:spcBef>
-              <a:spcAft>
-                <a:spcPts val="992"/>
-              </a:spcAft>
-              <a:buNone/>
-              <a:tabLst>
-                <a:tab algn="l" pos="0"/>
-              </a:tabLst>
-            </a:pPr>
-            <a:r>
-              <a:rPr b="0" i="1" lang="en-US" sz="3200" spc="-1" strike="noStrike">
-                <a:solidFill>
-                  <a:srgbClr val="000000"/>
-                </a:solidFill>
-                <a:latin typeface="Calibri"/>
-                <a:ea typeface="Noto Sans Mono CJK SC"/>
-              </a:rPr>
-              <a:t>+ </a:t>
-            </a:r>
-            <a:r>
-              <a:rPr b="0" i="1" lang="en-US" sz="3200" spc="-1" strike="noStrike">
-                <a:solidFill>
-                  <a:srgbClr val="c9211e"/>
-                </a:solidFill>
-                <a:latin typeface="Calibri"/>
-                <a:ea typeface="Noto Sans Mono CJK SC"/>
-              </a:rPr>
-              <a:t>0.4115</a:t>
-            </a:r>
-            <a:r>
-              <a:rPr b="0" i="1" lang="en-US" sz="3200" spc="-1" strike="noStrike">
-                <a:solidFill>
-                  <a:srgbClr val="000000"/>
-                </a:solidFill>
-                <a:latin typeface="Calibri"/>
-                <a:ea typeface="Noto Sans Mono CJK SC"/>
-              </a:rPr>
-              <a:t> × </a:t>
-            </a:r>
-            <a:r>
-              <a:rPr b="1" i="1" lang="en-US" sz="3200" spc="-1" strike="noStrike">
-                <a:solidFill>
-                  <a:srgbClr val="000000"/>
-                </a:solidFill>
-                <a:latin typeface="Calibri"/>
-                <a:ea typeface="Noto Sans Mono CJK SC"/>
-              </a:rPr>
-              <a:t>ProgrammeStatistics</a:t>
-            </a:r>
-            <a:endParaRPr b="0" lang="en-US" sz="3200" spc="-1" strike="noStrike">
-              <a:solidFill>
-                <a:srgbClr val="000000"/>
-              </a:solidFill>
-              <a:latin typeface="Arial"/>
-            </a:endParaRPr>
-          </a:p>
-          <a:p>
-            <a:pPr marL="343080" indent="0" defTabSz="457200">
-              <a:lnSpc>
-                <a:spcPct val="100000"/>
-              </a:lnSpc>
-              <a:spcBef>
-                <a:spcPts val="1191"/>
-              </a:spcBef>
-              <a:spcAft>
-                <a:spcPts val="992"/>
-              </a:spcAft>
-              <a:buNone/>
-              <a:tabLst>
-                <a:tab algn="l" pos="0"/>
-              </a:tabLst>
-            </a:pPr>
-            <a:r>
-              <a:rPr b="0" lang="en-US" sz="3200" spc="-1" strike="noStrike">
-                <a:solidFill>
-                  <a:srgbClr val="000000"/>
-                </a:solidFill>
-                <a:latin typeface="Calibri"/>
-                <a:ea typeface="Noto Sans Mono CJK SC"/>
-              </a:rPr>
-              <a:t>So, a female Business student aged 0 (theoretically) would have a predicted score of 73.89.</a:t>
-            </a:r>
-            <a:endParaRPr b="0" lang="en-US" sz="3200" spc="-1" strike="noStrike">
-              <a:solidFill>
-                <a:srgbClr val="000000"/>
-              </a:solidFill>
-              <a:latin typeface="Arial"/>
-            </a:endParaRPr>
-          </a:p>
-          <a:p>
-            <a:pPr marL="343080" indent="0" defTabSz="457200">
-              <a:lnSpc>
-                <a:spcPct val="100000"/>
-              </a:lnSpc>
-              <a:spcBef>
-                <a:spcPts val="1191"/>
-              </a:spcBef>
-              <a:spcAft>
-                <a:spcPts val="992"/>
-              </a:spcAft>
-              <a:buNone/>
-              <a:tabLst>
-                <a:tab algn="l" pos="0"/>
-              </a:tabLst>
-            </a:pPr>
-            <a:endParaRPr b="0" lang="en-US" sz="3200" spc="-1" strike="noStrike">
-              <a:solidFill>
-                <a:srgbClr val="000000"/>
-              </a:solidFill>
-              <a:latin typeface="Arial"/>
-            </a:endParaRPr>
-          </a:p>
-          <a:p>
-            <a:pPr marL="343080" indent="0" defTabSz="457200">
-              <a:lnSpc>
-                <a:spcPct val="100000"/>
-              </a:lnSpc>
-              <a:spcBef>
-                <a:spcPts val="1191"/>
-              </a:spcBef>
-              <a:spcAft>
-                <a:spcPts val="992"/>
-              </a:spcAft>
-              <a:buNone/>
-              <a:tabLst>
-                <a:tab algn="l" pos="0"/>
-              </a:tabLst>
-            </a:pPr>
-            <a:endParaRPr b="0" lang="en-US" sz="3200" spc="-1" strike="noStrike">
-              <a:solidFill>
-                <a:srgbClr val="000000"/>
-              </a:solidFill>
-              <a:latin typeface="Arial"/>
-            </a:endParaRPr>
-          </a:p>
-          <a:p>
-            <a:pPr marL="1296000" indent="0" defTabSz="457200">
-              <a:lnSpc>
-                <a:spcPct val="100000"/>
-              </a:lnSpc>
-              <a:spcBef>
-                <a:spcPts val="850"/>
-              </a:spcBef>
-              <a:buNone/>
-              <a:tabLst>
-                <a:tab algn="l" pos="0"/>
-              </a:tabLst>
-            </a:pPr>
-            <a:endParaRPr b="0" lang="en-US" sz="3200" spc="-1" strike="noStrike">
-              <a:solidFill>
-                <a:srgbClr val="000000"/>
-              </a:solidFill>
-              <a:latin typeface="Arial"/>
-            </a:endParaRPr>
-          </a:p>
-        </p:txBody>
-      </p:sp>
-    </p:spTree>
-  </p:cSld>
-  <mc:AlternateContent>
-    <mc:Choice Requires="p14">
-      <p:transition spd="slow" p14:dur="2000"/>
-    </mc:Choice>
-    <mc:Fallback>
-      <p:transition spd="slow"/>
-    </mc:Fallback>
-  </mc:AlternateContent>
-</p:sld>
-</file>
-
-<file path=ppt/slides/slide17.xml><?xml version="1.0" encoding="utf-8"?>
-<p:sld xmlns:a="http://schemas.openxmlformats.org/drawingml/2006/main" xmlns:p="http://schemas.openxmlformats.org/presentationml/2006/main" xmlns:r="http://schemas.openxmlformats.org/officeDocument/2006/relationships" xmlns:p14="http://schemas.microsoft.com/office/powerpoint/2010/main" xmlns:p15="http://schemas.microsoft.com/office/powerpoint/2012/main" xmlns:mc="http://schemas.openxmlformats.org/markup-compatibility/2006">
-  <p:cSld>
-    <p:spTree>
-      <p:nvGrpSpPr>
-        <p:cNvPr id="1" name=""/>
-        <p:cNvGrpSpPr/>
-        <p:nvPr/>
-      </p:nvGrpSpPr>
-      <p:grpSpPr>
-        <a:xfrm>
-          <a:off x="0" y="0"/>
-          <a:ext cx="0" cy="0"/>
-          <a:chOff x="0" y="0"/>
-          <a:chExt cx="0" cy="0"/>
-        </a:xfrm>
-      </p:grpSpPr>
-      <p:sp>
-        <p:nvSpPr>
-          <p:cNvPr id="85" name="PlaceHolder 1"/>
-          <p:cNvSpPr>
-            <a:spLocks noGrp="1"/>
-          </p:cNvSpPr>
-          <p:nvPr>
-            <p:ph type="title"/>
-          </p:nvPr>
-        </p:nvSpPr>
-        <p:spPr>
-          <a:xfrm>
-            <a:off x="457200" y="274680"/>
-            <a:ext cx="8228160" cy="1141560"/>
-          </a:xfrm>
-          <a:prstGeom prst="rect">
-            <a:avLst/>
-          </a:prstGeom>
-          <a:noFill/>
-          <a:ln w="0">
-            <a:noFill/>
-          </a:ln>
-        </p:spPr>
-        <p:txBody>
-          <a:bodyPr lIns="91440" rIns="91440" tIns="45720" bIns="45720" anchor="ctr">
-            <a:noAutofit/>
-          </a:bodyPr>
-          <a:p>
-            <a:pPr indent="0" algn="ctr">
-              <a:lnSpc>
-                <a:spcPct val="100000"/>
-              </a:lnSpc>
-              <a:spcBef>
-                <a:spcPts val="1191"/>
-              </a:spcBef>
-              <a:spcAft>
-                <a:spcPts val="992"/>
-              </a:spcAft>
-              <a:buNone/>
-              <a:tabLst>
-                <a:tab algn="l" pos="0"/>
-              </a:tabLst>
-            </a:pPr>
-            <a:r>
-              <a:rPr b="0" lang="en-US" sz="4400" spc="-1" strike="noStrike">
-                <a:solidFill>
-                  <a:schemeClr val="dk1"/>
-                </a:solidFill>
-                <a:latin typeface="Calibri"/>
-              </a:rPr>
-              <a:t>Predictor Interpretations</a:t>
-            </a:r>
-            <a:endParaRPr b="0" lang="en-US" sz="4400" spc="-1" strike="noStrike">
-              <a:solidFill>
-                <a:srgbClr val="000000"/>
-              </a:solidFill>
-              <a:latin typeface="Arial"/>
-            </a:endParaRPr>
-          </a:p>
-        </p:txBody>
-      </p:sp>
-      <p:sp>
-        <p:nvSpPr>
-          <p:cNvPr id="86" name="PlaceHolder 2"/>
-          <p:cNvSpPr>
-            <a:spLocks noGrp="1"/>
-          </p:cNvSpPr>
-          <p:nvPr>
-            <p:ph/>
-          </p:nvPr>
-        </p:nvSpPr>
-        <p:spPr>
-          <a:xfrm>
-            <a:off x="228600" y="1418760"/>
-            <a:ext cx="8228160" cy="4524480"/>
-          </a:xfrm>
-          <a:prstGeom prst="rect">
-            <a:avLst/>
-          </a:prstGeom>
-          <a:noFill/>
-          <a:ln w="0">
-            <a:noFill/>
-          </a:ln>
-        </p:spPr>
-        <p:txBody>
-          <a:bodyPr lIns="91440" rIns="91440" tIns="45720" bIns="45720" anchor="t">
-            <a:noAutofit/>
-          </a:bodyPr>
-          <a:p>
-            <a:pPr indent="0">
-              <a:spcBef>
-                <a:spcPts val="1417"/>
-              </a:spcBef>
-              <a:buNone/>
-            </a:pPr>
-            <a:endParaRPr b="0" lang="en-US" sz="1800" spc="-1" strike="noStrike">
               <a:solidFill>
                 <a:srgbClr val="000000"/>
               </a:solidFill>
@@ -7805,21 +7429,21 @@
       </p:sp>
       <p:graphicFrame>
         <p:nvGraphicFramePr>
-          <p:cNvPr id="87" name=""/>
+          <p:cNvPr id="82" name=""/>
           <p:cNvGraphicFramePr/>
           <p:nvPr/>
         </p:nvGraphicFramePr>
         <p:xfrm>
-          <a:off x="685800" y="1357200"/>
-          <a:ext cx="8169840" cy="4688640"/>
+          <a:off x="685800" y="1537200"/>
+          <a:ext cx="8169840" cy="4635360"/>
         </p:xfrm>
         <a:graphic>
           <a:graphicData uri="http://schemas.openxmlformats.org/drawingml/2006/table">
             <a:tbl>
               <a:tblPr/>
               <a:tblGrid>
-                <a:gridCol w="2691360"/>
-                <a:gridCol w="5478840"/>
+                <a:gridCol w="2471040"/>
+                <a:gridCol w="5833080"/>
               </a:tblGrid>
               <a:tr h="364680">
                 <a:tc>
@@ -7834,7 +7458,7 @@
                         </a:lnSpc>
                       </a:pPr>
                       <a:r>
-                        <a:rPr b="1" lang="en-US" sz="1700" spc="-1" strike="noStrike">
+                        <a:rPr b="1" lang="en-US" sz="1800" spc="-1" strike="noStrike">
                           <a:solidFill>
                             <a:srgbClr val="000000"/>
                           </a:solidFill>
@@ -7842,11 +7466,11 @@
                         </a:rPr>
                         <a:t>Predictor</a:t>
                       </a:r>
-                      <a:endParaRPr b="0" lang="en-US" sz="1700" spc="-1" strike="noStrike">
+                      <a:endParaRPr b="0" lang="en-US" sz="1800" spc="-1" strike="noStrike">
                         <a:solidFill>
                           <a:srgbClr val="000000"/>
                         </a:solidFill>
-                        <a:latin typeface="Arial"/>
+                        <a:latin typeface="Calibri"/>
                       </a:endParaRPr>
                     </a:p>
                   </a:txBody>
@@ -7890,7 +7514,7 @@
                         </a:lnSpc>
                       </a:pPr>
                       <a:r>
-                        <a:rPr b="1" lang="en-US" sz="1700" spc="-1" strike="noStrike">
+                        <a:rPr b="1" lang="en-US" sz="1800" spc="-1" strike="noStrike">
                           <a:solidFill>
                             <a:srgbClr val="000000"/>
                           </a:solidFill>
@@ -7898,11 +7522,11 @@
                         </a:rPr>
                         <a:t>Meaning</a:t>
                       </a:r>
-                      <a:endParaRPr b="0" lang="en-US" sz="1700" spc="-1" strike="noStrike">
+                      <a:endParaRPr b="0" lang="en-US" sz="1800" spc="-1" strike="noStrike">
                         <a:solidFill>
                           <a:srgbClr val="000000"/>
                         </a:solidFill>
-                        <a:latin typeface="Arial"/>
+                        <a:latin typeface="Calibri"/>
                       </a:endParaRPr>
                     </a:p>
                   </a:txBody>
@@ -7948,19 +7572,19 @@
                         </a:lnSpc>
                       </a:pPr>
                       <a:r>
-                        <a:rPr b="0" lang="en-US" sz="1700" spc="-1" strike="noStrike">
+                        <a:rPr b="0" lang="en-US" sz="1800" spc="-1" strike="noStrike">
                           <a:solidFill>
                             <a:srgbClr val="000000"/>
                           </a:solidFill>
                           <a:latin typeface="Calibri"/>
                         </a:rPr>
-                        <a:t>Age (-0.4213)</a:t>
+                        <a:t>Age (1.48)</a:t>
                       </a:r>
-                      <a:endParaRPr b="0" lang="en-US" sz="1700" spc="-1" strike="noStrike">
+                      <a:endParaRPr b="0" lang="en-US" sz="1800" spc="-1" strike="noStrike">
                         <a:solidFill>
                           <a:srgbClr val="000000"/>
                         </a:solidFill>
-                        <a:latin typeface="Arial"/>
+                        <a:latin typeface="Calibri"/>
                       </a:endParaRPr>
                     </a:p>
                   </a:txBody>
@@ -7998,25 +7622,20 @@
                       <a:noAutofit/>
                     </a:bodyPr>
                     <a:p>
-                      <a:pPr>
-                        <a:lnSpc>
-                          <a:spcPct val="100000"/>
-                        </a:lnSpc>
-                      </a:pPr>
                       <a:r>
-                        <a:rPr b="0" lang="en-US" sz="1700" spc="-1" strike="noStrike">
+                        <a:rPr b="0" lang="en-US" sz="1800" spc="-1" strike="noStrike">
                           <a:solidFill>
                             <a:srgbClr val="000000"/>
                           </a:solidFill>
                           <a:latin typeface="Calibri"/>
                         </a:rPr>
-                        <a:t>For each additional year of age, the predicted score decreases by 0.42 points. This is statistically significant (p = 0.0293).</a:t>
+                        <a:t>For each additional year in age, the score increases by 1.48 points, holding gender and programme constant (significant, p &lt; 0.001).</a:t>
                       </a:r>
-                      <a:endParaRPr b="0" lang="en-US" sz="1700" spc="-1" strike="noStrike">
+                      <a:endParaRPr b="0" lang="en-US" sz="1800" spc="-1" strike="noStrike">
                         <a:solidFill>
                           <a:srgbClr val="000000"/>
                         </a:solidFill>
-                        <a:latin typeface="Arial"/>
+                        <a:latin typeface="Calibri"/>
                       </a:endParaRPr>
                     </a:p>
                   </a:txBody>
@@ -8062,19 +7681,19 @@
                         </a:lnSpc>
                       </a:pPr>
                       <a:r>
-                        <a:rPr b="0" lang="en-US" sz="1700" spc="-1" strike="noStrike">
+                        <a:rPr b="0" lang="en-US" sz="1800" spc="-1" strike="noStrike">
                           <a:solidFill>
                             <a:srgbClr val="000000"/>
                           </a:solidFill>
                           <a:latin typeface="Calibri"/>
                         </a:rPr>
-                        <a:t>GenderMale (-0.4395)</a:t>
+                        <a:t>GenderMale (-0.89)</a:t>
                       </a:r>
-                      <a:endParaRPr b="0" lang="en-US" sz="1700" spc="-1" strike="noStrike">
+                      <a:endParaRPr b="0" lang="en-US" sz="1800" spc="-1" strike="noStrike">
                         <a:solidFill>
                           <a:srgbClr val="000000"/>
                         </a:solidFill>
-                        <a:latin typeface="Arial"/>
+                        <a:latin typeface="Calibri"/>
                       </a:endParaRPr>
                     </a:p>
                   </a:txBody>
@@ -8118,32 +7737,19 @@
                         </a:lnSpc>
                       </a:pPr>
                       <a:r>
-                        <a:rPr b="0" lang="en-US" sz="1700" spc="-1" strike="noStrike">
+                        <a:rPr b="0" lang="en-US" sz="1800" spc="-1" strike="noStrike">
                           <a:solidFill>
                             <a:srgbClr val="000000"/>
                           </a:solidFill>
                           <a:latin typeface="Calibri"/>
                         </a:rPr>
-                        <a:t>Males score 0.44 points lower than females, but this difference is not statistically significant (p = 0.6253).</a:t>
+                        <a:t>Male students score 0.89 points lower than female students, controlling for age and programme (not statistically significant, p = 0.166).</a:t>
                       </a:r>
-                      <a:endParaRPr b="0" lang="en-US" sz="1700" spc="-1" strike="noStrike">
+                      <a:endParaRPr b="0" lang="en-US" sz="1800" spc="-1" strike="noStrike">
                         <a:solidFill>
                           <a:srgbClr val="000000"/>
                         </a:solidFill>
-                        <a:latin typeface="Arial"/>
-                      </a:endParaRPr>
-                    </a:p>
-                    <a:p>
-                      <a:pPr>
-                        <a:lnSpc>
-                          <a:spcPct val="100000"/>
-                        </a:lnSpc>
-                      </a:pPr>
-                      <a:endParaRPr b="0" lang="en-US" sz="1700" spc="-1" strike="noStrike">
-                        <a:solidFill>
-                          <a:srgbClr val="000000"/>
-                        </a:solidFill>
-                        <a:latin typeface="Arial"/>
+                        <a:latin typeface="Calibri"/>
                       </a:endParaRPr>
                     </a:p>
                   </a:txBody>
@@ -8189,19 +7795,19 @@
                         </a:lnSpc>
                       </a:pPr>
                       <a:r>
-                        <a:rPr b="0" lang="en-US" sz="1700" spc="-1" strike="noStrike">
+                        <a:rPr b="0" lang="en-US" sz="1800" spc="-1" strike="noStrike">
                           <a:solidFill>
                             <a:srgbClr val="000000"/>
                           </a:solidFill>
                           <a:latin typeface="Calibri"/>
                         </a:rPr>
-                        <a:t>Programme: Computer Science (+2.57)</a:t>
+                        <a:t>Programme: Computer Science (-4.42)</a:t>
                       </a:r>
-                      <a:endParaRPr b="0" lang="en-US" sz="1700" spc="-1" strike="noStrike">
+                      <a:endParaRPr b="0" lang="en-US" sz="1800" spc="-1" strike="noStrike">
                         <a:solidFill>
                           <a:srgbClr val="000000"/>
                         </a:solidFill>
-                        <a:latin typeface="Arial"/>
+                        <a:latin typeface="Calibri"/>
                       </a:endParaRPr>
                     </a:p>
                   </a:txBody>
@@ -8245,19 +7851,19 @@
                         </a:lnSpc>
                       </a:pPr>
                       <a:r>
-                        <a:rPr b="0" lang="en-US" sz="1700" spc="-1" strike="noStrike">
+                        <a:rPr b="0" lang="en-US" sz="1800" spc="-1" strike="noStrike">
                           <a:solidFill>
                             <a:srgbClr val="000000"/>
                           </a:solidFill>
                           <a:latin typeface="Calibri"/>
                         </a:rPr>
-                        <a:t>Computer Science students score 2.57 points higher than Business students, and this is statistically significant (p = 0.0425).</a:t>
+                        <a:t>Students in Computer Science score 4.42 points lower than those in Business (significant, p &lt; 0.001).</a:t>
                       </a:r>
-                      <a:endParaRPr b="0" lang="en-US" sz="1700" spc="-1" strike="noStrike">
+                      <a:endParaRPr b="0" lang="en-US" sz="1800" spc="-1" strike="noStrike">
                         <a:solidFill>
                           <a:srgbClr val="000000"/>
                         </a:solidFill>
-                        <a:latin typeface="Arial"/>
+                        <a:latin typeface="Calibri"/>
                       </a:endParaRPr>
                     </a:p>
                   </a:txBody>
@@ -8303,19 +7909,19 @@
                         </a:lnSpc>
                       </a:pPr>
                       <a:r>
-                        <a:rPr b="0" lang="en-US" sz="1700" spc="-1" strike="noStrike">
+                        <a:rPr b="0" lang="en-US" sz="1800" spc="-1" strike="noStrike">
                           <a:solidFill>
                             <a:srgbClr val="000000"/>
                           </a:solidFill>
                           <a:latin typeface="Calibri"/>
                         </a:rPr>
-                        <a:t>Programme: Engineering (+0.90)</a:t>
+                        <a:t>Programme: Engineering (-8.83)</a:t>
                       </a:r>
-                      <a:endParaRPr b="0" lang="en-US" sz="1700" spc="-1" strike="noStrike">
+                      <a:endParaRPr b="0" lang="en-US" sz="1800" spc="-1" strike="noStrike">
                         <a:solidFill>
                           <a:srgbClr val="000000"/>
                         </a:solidFill>
-                        <a:latin typeface="Arial"/>
+                        <a:latin typeface="Calibri"/>
                       </a:endParaRPr>
                     </a:p>
                   </a:txBody>
@@ -8353,25 +7959,20 @@
                       <a:noAutofit/>
                     </a:bodyPr>
                     <a:p>
-                      <a:pPr>
-                        <a:lnSpc>
-                          <a:spcPct val="100000"/>
-                        </a:lnSpc>
-                      </a:pPr>
                       <a:r>
-                        <a:rPr b="0" lang="en-US" sz="1700" spc="-1" strike="noStrike">
+                        <a:rPr b="0" lang="en-US" sz="1800" spc="-1" strike="noStrike">
                           <a:solidFill>
                             <a:srgbClr val="000000"/>
                           </a:solidFill>
                           <a:latin typeface="Calibri"/>
                         </a:rPr>
-                        <a:t>No significant difference from Business students (p = 0.4918).</a:t>
+                        <a:t>Students in Engineering score 8.83 points lower than those in Business (very significant, p &lt; 0.001).</a:t>
                       </a:r>
-                      <a:endParaRPr b="0" lang="en-US" sz="1700" spc="-1" strike="noStrike">
+                      <a:endParaRPr b="0" lang="en-US" sz="1800" spc="-1" strike="noStrike">
                         <a:solidFill>
                           <a:srgbClr val="000000"/>
                         </a:solidFill>
-                        <a:latin typeface="Arial"/>
+                        <a:latin typeface="Calibri"/>
                       </a:endParaRPr>
                     </a:p>
                   </a:txBody>
@@ -8417,19 +8018,19 @@
                         </a:lnSpc>
                       </a:pPr>
                       <a:r>
-                        <a:rPr b="0" lang="en-US" sz="1700" spc="-1" strike="noStrike">
+                        <a:rPr b="0" lang="en-US" sz="1800" spc="-1" strike="noStrike">
                           <a:solidFill>
                             <a:srgbClr val="000000"/>
                           </a:solidFill>
                           <a:latin typeface="Calibri"/>
                         </a:rPr>
-                        <a:t>Programme: Statistics (+0.41)</a:t>
+                        <a:t>Programme: Statistics (-1.73)</a:t>
                       </a:r>
-                      <a:endParaRPr b="0" lang="en-US" sz="1700" spc="-1" strike="noStrike">
+                      <a:endParaRPr b="0" lang="en-US" sz="1800" spc="-1" strike="noStrike">
                         <a:solidFill>
                           <a:srgbClr val="000000"/>
                         </a:solidFill>
-                        <a:latin typeface="Arial"/>
+                        <a:latin typeface="Calibri"/>
                       </a:endParaRPr>
                     </a:p>
                   </a:txBody>
@@ -8471,21 +8072,27 @@
                         <a:lnSpc>
                           <a:spcPct val="100000"/>
                         </a:lnSpc>
+                        <a:spcBef>
+                          <a:spcPts val="1191"/>
+                        </a:spcBef>
+                        <a:spcAft>
+                          <a:spcPts val="992"/>
+                        </a:spcAft>
                       </a:pPr>
                       <a:r>
-                        <a:rPr b="0" lang="en-US" sz="1700" spc="-1" strike="noStrike">
+                        <a:rPr b="0" lang="en-US" sz="1800" spc="-1" strike="noStrike">
                           <a:solidFill>
                             <a:srgbClr val="000000"/>
                           </a:solidFill>
                           <a:latin typeface="Calibri"/>
                         </a:rPr>
-                        <a:t>Also no significant difference (p = 0.7445).</a:t>
+                        <a:t>Students in Statistics score 1.73 points lower than those in Business (marginally significant, p ≈ 0.043).</a:t>
                       </a:r>
-                      <a:endParaRPr b="0" lang="en-US" sz="1700" spc="-1" strike="noStrike">
+                      <a:endParaRPr b="0" lang="en-US" sz="1800" spc="-1" strike="noStrike">
                         <a:solidFill>
                           <a:srgbClr val="000000"/>
                         </a:solidFill>
-                        <a:latin typeface="Arial"/>
+                        <a:latin typeface="Calibri"/>
                       </a:endParaRPr>
                     </a:p>
                   </a:txBody>
@@ -8535,7 +8142,7 @@
 </p:sld>
 </file>
 
-<file path=ppt/slides/slide18.xml><?xml version="1.0" encoding="utf-8"?>
+<file path=ppt/slides/slide17.xml><?xml version="1.0" encoding="utf-8"?>
 <p:sld xmlns:a="http://schemas.openxmlformats.org/drawingml/2006/main" xmlns:p="http://schemas.openxmlformats.org/presentationml/2006/main" xmlns:r="http://schemas.openxmlformats.org/officeDocument/2006/relationships" xmlns:p14="http://schemas.microsoft.com/office/powerpoint/2010/main" xmlns:p15="http://schemas.microsoft.com/office/powerpoint/2012/main" xmlns:mc="http://schemas.openxmlformats.org/markup-compatibility/2006">
   <p:cSld>
     <p:spTree>
@@ -8554,7 +8161,7 @@
       </p:grpSpPr>
       <p:sp>
         <p:nvSpPr>
-          <p:cNvPr id="88" name="PlaceHolder 1"/>
+          <p:cNvPr id="83" name="PlaceHolder 1"/>
           <p:cNvSpPr>
             <a:spLocks noGrp="1"/>
           </p:cNvSpPr>
@@ -8565,7 +8172,7 @@
         <p:spPr>
           <a:xfrm>
             <a:off x="457200" y="274680"/>
-            <a:ext cx="8228160" cy="1141560"/>
+            <a:ext cx="8227800" cy="1141200"/>
           </a:xfrm>
           <a:prstGeom prst="rect">
             <a:avLst/>
@@ -8615,7 +8222,7 @@
       </p:sp>
       <p:sp>
         <p:nvSpPr>
-          <p:cNvPr id="89" name="PlaceHolder 2"/>
+          <p:cNvPr id="84" name="PlaceHolder 2"/>
           <p:cNvSpPr>
             <a:spLocks noGrp="1"/>
           </p:cNvSpPr>
@@ -8626,7 +8233,7 @@
         <p:spPr>
           <a:xfrm>
             <a:off x="228600" y="1418760"/>
-            <a:ext cx="8228160" cy="4524480"/>
+            <a:ext cx="8227800" cy="4524120"/>
           </a:xfrm>
           <a:prstGeom prst="rect">
             <a:avLst/>
@@ -8845,7 +8452,7 @@
         <p:spPr>
           <a:xfrm>
             <a:off x="457200" y="228600"/>
-            <a:ext cx="8228160" cy="1141560"/>
+            <a:ext cx="8227800" cy="1141200"/>
           </a:xfrm>
           <a:prstGeom prst="rect">
             <a:avLst/>
@@ -8900,7 +8507,7 @@
         <p:spPr>
           <a:xfrm>
             <a:off x="457200" y="1600200"/>
-            <a:ext cx="8228160" cy="4524480"/>
+            <a:ext cx="8227800" cy="4524120"/>
           </a:xfrm>
           <a:prstGeom prst="rect">
             <a:avLst/>
@@ -9061,7 +8668,7 @@
         <p:spPr>
           <a:xfrm>
             <a:off x="457200" y="274680"/>
-            <a:ext cx="8228160" cy="1141560"/>
+            <a:ext cx="8227800" cy="1141200"/>
           </a:xfrm>
           <a:prstGeom prst="rect">
             <a:avLst/>
@@ -9116,7 +8723,7 @@
         <p:spPr>
           <a:xfrm>
             <a:off x="458280" y="1600200"/>
-            <a:ext cx="8228160" cy="4524480"/>
+            <a:ext cx="8227800" cy="4524120"/>
           </a:xfrm>
           <a:prstGeom prst="rect">
             <a:avLst/>
@@ -9344,7 +8951,16 @@
                 </a:solidFill>
                 <a:latin typeface="Calibri"/>
               </a:rPr>
-              <a:t>hist(df$Score, main="Distribution of Scores", xlab="Score", col="skyblue")</a:t>
+              <a:t>hist(ds$Score, main="Distribution of </a:t>
+            </a:r>
+            <a:r>
+              <a:rPr b="0" lang="en-US" sz="3200" spc="-1" strike="noStrike">
+                <a:solidFill>
+                  <a:schemeClr val="dk1"/>
+                </a:solidFill>
+                <a:latin typeface="Calibri"/>
+              </a:rPr>
+              <a:t>Scores", xlab="Score", col="skyblue")</a:t>
             </a:r>
             <a:endParaRPr b="0" lang="en-US" sz="3200" spc="-1" strike="noStrike">
               <a:solidFill>
@@ -9398,7 +9014,7 @@
         <p:spPr>
           <a:xfrm>
             <a:off x="457200" y="274680"/>
-            <a:ext cx="8228160" cy="1141560"/>
+            <a:ext cx="8227800" cy="1141200"/>
           </a:xfrm>
           <a:prstGeom prst="rect">
             <a:avLst/>
@@ -9453,7 +9069,7 @@
         <p:spPr>
           <a:xfrm>
             <a:off x="458280" y="1600200"/>
-            <a:ext cx="8228160" cy="4524480"/>
+            <a:ext cx="8227800" cy="4524120"/>
           </a:xfrm>
           <a:prstGeom prst="rect">
             <a:avLst/>
@@ -9516,7 +9132,7 @@
                 </a:solidFill>
                 <a:latin typeface="Calibri"/>
               </a:rPr>
-              <a:t>hist(df$Score,</a:t>
+              <a:t>hist(ds$Score,</a:t>
             </a:r>
             <a:endParaRPr b="0" lang="en-US" sz="3200" spc="-1" strike="noStrike">
               <a:solidFill>
@@ -9657,7 +9273,7 @@
         <p:spPr>
           <a:xfrm>
             <a:off x="457200" y="274680"/>
-            <a:ext cx="8228160" cy="1141560"/>
+            <a:ext cx="8227800" cy="1141200"/>
           </a:xfrm>
           <a:prstGeom prst="rect">
             <a:avLst/>
@@ -9712,7 +9328,7 @@
         <p:spPr>
           <a:xfrm>
             <a:off x="457200" y="1600200"/>
-            <a:ext cx="8228160" cy="4524480"/>
+            <a:ext cx="8227800" cy="4524120"/>
           </a:xfrm>
           <a:prstGeom prst="rect">
             <a:avLst/>
@@ -9775,7 +9391,7 @@
                 </a:solidFill>
                 <a:latin typeface="Arial"/>
               </a:rPr>
-              <a:t>boxplot(Score ~ Gender, data=df,</a:t>
+              <a:t>boxplot(Score ~ Gender, data=ds,</a:t>
             </a:r>
             <a:endParaRPr b="0" lang="en-US" sz="3200" spc="-1" strike="noStrike">
               <a:solidFill>
@@ -9943,7 +9559,7 @@
         <p:spPr>
           <a:xfrm>
             <a:off x="457200" y="274680"/>
-            <a:ext cx="8228160" cy="1141560"/>
+            <a:ext cx="8227800" cy="1141200"/>
           </a:xfrm>
           <a:prstGeom prst="rect">
             <a:avLst/>
@@ -9998,7 +9614,7 @@
         <p:spPr>
           <a:xfrm>
             <a:off x="457200" y="1600200"/>
-            <a:ext cx="8228160" cy="4524480"/>
+            <a:ext cx="8227800" cy="4524120"/>
           </a:xfrm>
           <a:prstGeom prst="rect">
             <a:avLst/>
@@ -10058,7 +9674,7 @@
                 </a:solidFill>
                 <a:latin typeface="Calibri"/>
               </a:rPr>
-              <a:t>plot(df$Age, df$Score,</a:t>
+              <a:t>plot(ds$Age, ds$Score,</a:t>
             </a:r>
             <a:endParaRPr b="0" lang="en-US" sz="3200" spc="-1" strike="noStrike">
               <a:solidFill>
@@ -10290,7 +9906,7 @@
         <p:spPr>
           <a:xfrm>
             <a:off x="457200" y="274680"/>
-            <a:ext cx="8228160" cy="1141560"/>
+            <a:ext cx="8227800" cy="1141200"/>
           </a:xfrm>
           <a:prstGeom prst="rect">
             <a:avLst/>
@@ -10345,7 +9961,7 @@
         <p:spPr>
           <a:xfrm>
             <a:off x="457200" y="1600200"/>
-            <a:ext cx="8228160" cy="4524480"/>
+            <a:ext cx="8227800" cy="4524120"/>
           </a:xfrm>
           <a:prstGeom prst="rect">
             <a:avLst/>
@@ -10393,7 +10009,7 @@
                 <a:latin typeface="Calibri"/>
                 <a:ea typeface="Noto Sans Mono CJK SC"/>
               </a:rPr>
-              <a:t> programme_counts &lt;- table(df$Programme)</a:t>
+              <a:t> programme_counts &lt;- table(ds$Programme)</a:t>
             </a:r>
             <a:endParaRPr b="0" lang="en-US" sz="3200" spc="-1" strike="noStrike">
               <a:solidFill>
@@ -10477,7 +10093,7 @@
         <p:spPr>
           <a:xfrm>
             <a:off x="457200" y="274680"/>
-            <a:ext cx="8228160" cy="1141560"/>
+            <a:ext cx="8227800" cy="1141200"/>
           </a:xfrm>
           <a:prstGeom prst="rect">
             <a:avLst/>
@@ -10532,7 +10148,7 @@
         <p:spPr>
           <a:xfrm>
             <a:off x="228600" y="1600200"/>
-            <a:ext cx="8228160" cy="4524480"/>
+            <a:ext cx="8227800" cy="4524120"/>
           </a:xfrm>
           <a:prstGeom prst="rect">
             <a:avLst/>
@@ -10568,7 +10184,17 @@
                 <a:latin typeface="Liberation Mono;Courier New"/>
                 <a:ea typeface="Noto Sans Mono CJK SC"/>
               </a:rPr>
-              <a:t>Linear regression helps model relationships.</a:t>
+              <a:t>Linear regression helps model </a:t>
+            </a:r>
+            <a:r>
+              <a:rPr b="0" lang="en-US" sz="3200" spc="-1" strike="noStrike">
+                <a:solidFill>
+                  <a:srgbClr val="000000"/>
+                </a:solidFill>
+                <a:latin typeface="Liberation Mono;Courier New"/>
+                <a:ea typeface="Noto Sans Mono CJK SC"/>
+              </a:rPr>
+              <a:t>relationships.</a:t>
             </a:r>
             <a:endParaRPr b="0" lang="en-US" sz="3200" spc="-1" strike="noStrike">
               <a:solidFill>
@@ -10609,7 +10235,17 @@
                 <a:latin typeface="Liberation Mono;Courier New"/>
                 <a:ea typeface="Noto Sans Mono CJK SC"/>
               </a:rPr>
-              <a:t>lm(dependent ~ independent, data=…).  </a:t>
+              <a:t>lm(dependent ~ </a:t>
+            </a:r>
+            <a:r>
+              <a:rPr b="0" lang="en-US" sz="3200" spc="-1" strike="noStrike">
+                <a:solidFill>
+                  <a:srgbClr val="000000"/>
+                </a:solidFill>
+                <a:latin typeface="Liberation Mono;Courier New"/>
+                <a:ea typeface="Noto Sans Mono CJK SC"/>
+              </a:rPr>
+              <a:t>independent, data=…).  </a:t>
             </a:r>
             <a:endParaRPr b="0" lang="en-US" sz="3200" spc="-1" strike="noStrike">
               <a:solidFill>
@@ -10783,7 +10419,7 @@
         <p:spPr>
           <a:xfrm>
             <a:off x="457200" y="274680"/>
-            <a:ext cx="8228160" cy="1141560"/>
+            <a:ext cx="8227800" cy="1141200"/>
           </a:xfrm>
           <a:prstGeom prst="rect">
             <a:avLst/>
@@ -10831,52 +10467,9 @@
           </a:p>
         </p:txBody>
       </p:sp>
-      <p:sp>
-        <p:nvSpPr>
-          <p:cNvPr id="67" name="PlaceHolder 2"/>
-          <p:cNvSpPr>
-            <a:spLocks noGrp="1"/>
-          </p:cNvSpPr>
-          <p:nvPr>
-            <p:ph/>
-          </p:nvPr>
-        </p:nvSpPr>
-        <p:spPr>
-          <a:xfrm>
-            <a:off x="228600" y="1600200"/>
-            <a:ext cx="8228160" cy="4524480"/>
-          </a:xfrm>
-          <a:prstGeom prst="rect">
-            <a:avLst/>
-          </a:prstGeom>
-          <a:noFill/>
-          <a:ln w="0">
-            <a:noFill/>
-          </a:ln>
-        </p:spPr>
-        <p:txBody>
-          <a:bodyPr lIns="91440" rIns="91440" tIns="45720" bIns="45720" anchor="t">
-            <a:noAutofit/>
-          </a:bodyPr>
-          <a:p>
-            <a:pPr indent="0">
-              <a:spcBef>
-                <a:spcPts val="1417"/>
-              </a:spcBef>
-              <a:buNone/>
-            </a:pPr>
-            <a:endParaRPr b="0" lang="en-US" sz="1800" spc="-1" strike="noStrike">
-              <a:solidFill>
-                <a:srgbClr val="000000"/>
-              </a:solidFill>
-              <a:latin typeface="Arial"/>
-            </a:endParaRPr>
-          </a:p>
-        </p:txBody>
-      </p:sp>
       <p:pic>
         <p:nvPicPr>
-          <p:cNvPr id="68" name="" descr=""/>
+          <p:cNvPr id="67" name="" descr=""/>
           <p:cNvPicPr/>
           <p:nvPr/>
         </p:nvPicPr>
@@ -10887,7 +10480,7 @@
         <p:spPr>
           <a:xfrm>
             <a:off x="224640" y="1197360"/>
-            <a:ext cx="8118000" cy="3831480"/>
+            <a:ext cx="8117640" cy="3831120"/>
           </a:xfrm>
           <a:prstGeom prst="rect">
             <a:avLst/>

--- a/Visualization_Techniques_with_R.pptx
+++ b/Visualization_Techniques_with_R.pptx
@@ -169,7 +169,7 @@
         <p:txBody>
           <a:bodyPr/>
           <a:p>
-            <a:fld id="{B684603D-2C1C-4F01-967C-F8D216C1927B}" type="slidenum">
+            <a:fld id="{B8BF67D5-4AE5-4ABB-A843-A1DCFF3E28DB}" type="slidenum">
               <a:t>&lt;#&gt;</a:t>
             </a:fld>
           </a:p>
@@ -252,7 +252,7 @@
         <p:txBody>
           <a:bodyPr/>
           <a:p>
-            <a:fld id="{D42399F8-E99A-43D9-AA80-4F6A6B4DE0BF}" type="slidenum">
+            <a:fld id="{4D0E4523-3794-4052-B6F7-4EF61DC5815D}" type="slidenum">
               <a:t>&lt;#&gt;</a:t>
             </a:fld>
           </a:p>
@@ -335,7 +335,7 @@
         <p:txBody>
           <a:bodyPr/>
           <a:p>
-            <a:fld id="{BB398190-BF3E-4588-B164-04D23FDA6E0D}" type="slidenum">
+            <a:fld id="{030D2A60-54BB-4F7C-9B51-B00F47819209}" type="slidenum">
               <a:t>&lt;#&gt;</a:t>
             </a:fld>
           </a:p>
@@ -418,7 +418,7 @@
         <p:txBody>
           <a:bodyPr/>
           <a:p>
-            <a:fld id="{7B25D705-0A8C-4B0A-ABA3-79CBD2ABED7A}" type="slidenum">
+            <a:fld id="{BAE4D01A-152F-4074-B514-E5BDCF80B19A}" type="slidenum">
               <a:t>&lt;#&gt;</a:t>
             </a:fld>
           </a:p>
@@ -501,7 +501,7 @@
         <p:txBody>
           <a:bodyPr/>
           <a:p>
-            <a:fld id="{0EBDD1D3-C999-4592-829A-E399C972EAC0}" type="slidenum">
+            <a:fld id="{242C8979-6BD1-429C-B789-932C7F0B4B70}" type="slidenum">
               <a:t>&lt;#&gt;</a:t>
             </a:fld>
           </a:p>
@@ -584,7 +584,7 @@
         <p:txBody>
           <a:bodyPr/>
           <a:p>
-            <a:fld id="{2F1BC77C-EDE8-495D-A583-A3251D6D3CDB}" type="slidenum">
+            <a:fld id="{D50B3A7D-1845-4D6B-AE82-FD6A5E0DD74D}" type="slidenum">
               <a:t>&lt;#&gt;</a:t>
             </a:fld>
           </a:p>
@@ -667,7 +667,7 @@
         <p:txBody>
           <a:bodyPr/>
           <a:p>
-            <a:fld id="{B9939727-A914-4CF8-9301-94FAA59BDB0F}" type="slidenum">
+            <a:fld id="{C82D4A05-7B27-4DF2-8381-12BF97EE3177}" type="slidenum">
               <a:t>&lt;#&gt;</a:t>
             </a:fld>
           </a:p>
@@ -833,7 +833,7 @@
         <p:txBody>
           <a:bodyPr/>
           <a:p>
-            <a:fld id="{0EC47941-73E4-4697-9AE1-FD812BE0BDFD}" type="slidenum">
+            <a:fld id="{6A3779F4-3DB2-4371-A576-C2FD19EF825E}" type="slidenum">
               <a:t>&lt;#&gt;</a:t>
             </a:fld>
           </a:p>
@@ -916,7 +916,7 @@
         <p:txBody>
           <a:bodyPr/>
           <a:p>
-            <a:fld id="{5127175B-616E-4FB1-933C-5D51B5B83F2F}" type="slidenum">
+            <a:fld id="{C8A98B77-0687-4F92-833D-5060A710DB7D}" type="slidenum">
               <a:t>&lt;#&gt;</a:t>
             </a:fld>
           </a:p>
@@ -1125,7 +1125,7 @@
         <p:txBody>
           <a:bodyPr/>
           <a:p>
-            <a:fld id="{99CD1091-9FF5-41FE-9081-E5172FCD42D7}" type="slidenum">
+            <a:fld id="{17C38F40-0D06-4C4A-B694-345DF38626F4}" type="slidenum">
               <a:t>&lt;#&gt;</a:t>
             </a:fld>
           </a:p>
@@ -1208,7 +1208,7 @@
         <p:txBody>
           <a:bodyPr/>
           <a:p>
-            <a:fld id="{75890346-978E-485A-9DF6-F86490AE147F}" type="slidenum">
+            <a:fld id="{CFE9EED6-962B-4BEF-BC4A-7CBE38592692}" type="slidenum">
               <a:t>&lt;#&gt;</a:t>
             </a:fld>
           </a:p>
@@ -1331,7 +1331,7 @@
         <p:txBody>
           <a:bodyPr/>
           <a:p>
-            <a:fld id="{6B23AE4B-2A84-4444-8640-14106ABE3269}" type="slidenum">
+            <a:fld id="{1C495046-FE6C-4901-9A7B-F4FDF997B889}" type="slidenum">
               <a:t>&lt;#&gt;</a:t>
             </a:fld>
           </a:p>
@@ -1425,7 +1425,16 @@
                 </a:solidFill>
                 <a:latin typeface="Arial"/>
               </a:rPr>
-              <a:t>Click to edit the title text format</a:t>
+              <a:t>Click to edit the title </a:t>
+            </a:r>
+            <a:r>
+              <a:rPr b="0" lang="en-US" sz="1800" spc="-1" strike="noStrike">
+                <a:solidFill>
+                  <a:srgbClr val="000000"/>
+                </a:solidFill>
+                <a:latin typeface="Arial"/>
+              </a:rPr>
+              <a:t>text format</a:t>
             </a:r>
             <a:endParaRPr b="0" lang="en-US" sz="1800" spc="-1" strike="noStrike">
               <a:solidFill>
@@ -1564,7 +1573,7 @@
                 <a:tab algn="l" pos="0"/>
               </a:tabLst>
             </a:pPr>
-            <a:fld id="{610D2D63-1C27-472E-BCE8-F1C1938D34B5}" type="slidenum">
+            <a:fld id="{D539BBBF-4E81-4E34-94B3-BF1864160693}" type="slidenum">
               <a:rPr b="0" lang="en-US" sz="1200" spc="-1" strike="noStrike">
                 <a:solidFill>
                   <a:schemeClr val="dk1">
@@ -2030,7 +2039,7 @@
                 <a:tab algn="l" pos="0"/>
               </a:tabLst>
             </a:pPr>
-            <a:fld id="{8BF8A2D1-08E6-41AB-8A00-6F0BE669C2C6}" type="slidenum">
+            <a:fld id="{CBE4051F-52BE-48E4-9ACD-3008D0A9E80E}" type="slidenum">
               <a:rPr b="0" lang="en-US" sz="1200" spc="-1" strike="noStrike">
                 <a:solidFill>
                   <a:schemeClr val="dk1">
@@ -2271,7 +2280,7 @@
                 <a:tab algn="l" pos="0"/>
               </a:tabLst>
             </a:pPr>
-            <a:fld id="{E9DAE978-A93E-4EFF-8E62-B1E16AFB1AC8}" type="slidenum">
+            <a:fld id="{437245BE-9193-4B90-8ADE-FD54BF74B47D}" type="slidenum">
               <a:rPr b="0" lang="en-US" sz="1200" spc="-1" strike="noStrike">
                 <a:solidFill>
                   <a:schemeClr val="dk1">
@@ -2512,7 +2521,7 @@
                 <a:tab algn="l" pos="0"/>
               </a:tabLst>
             </a:pPr>
-            <a:fld id="{BCFFA966-C7F6-469D-B6B0-4CF8B1067405}" type="slidenum">
+            <a:fld id="{858E6634-DE66-4C06-B4B1-3ACB4916A291}" type="slidenum">
               <a:rPr b="0" lang="en-US" sz="1200" spc="-1" strike="noStrike">
                 <a:solidFill>
                   <a:schemeClr val="dk1">
@@ -2753,7 +2762,7 @@
                 <a:tab algn="l" pos="0"/>
               </a:tabLst>
             </a:pPr>
-            <a:fld id="{78E34CB9-53F0-4966-BC0F-09974F9E265B}" type="slidenum">
+            <a:fld id="{EAF28859-18E6-40EB-B82E-4E1094EC2134}" type="slidenum">
               <a:rPr b="0" lang="en-US" sz="1200" spc="-1" strike="noStrike">
                 <a:solidFill>
                   <a:schemeClr val="dk1">
@@ -3268,7 +3277,7 @@
                 <a:tab algn="l" pos="0"/>
               </a:tabLst>
             </a:pPr>
-            <a:fld id="{1A309E9F-91C0-4107-8CAC-454253C20953}" type="slidenum">
+            <a:fld id="{115EFDAE-AABE-4E36-BD84-A02266709BD8}" type="slidenum">
               <a:rPr b="0" lang="en-US" sz="1200" spc="-1" strike="noStrike">
                 <a:solidFill>
                   <a:schemeClr val="dk1">
@@ -3510,7 +3519,7 @@
                 <a:tab algn="l" pos="0"/>
               </a:tabLst>
             </a:pPr>
-            <a:fld id="{D8E84374-6B46-4EEE-AF45-9E163F6D0224}" type="slidenum">
+            <a:fld id="{F102F1B0-CA6D-434D-9667-511E5E6D42DE}" type="slidenum">
               <a:rPr b="0" lang="en-US" sz="1200" spc="-1" strike="noStrike">
                 <a:solidFill>
                   <a:schemeClr val="dk1">
@@ -4250,7 +4259,7 @@
                 <a:tab algn="l" pos="0"/>
               </a:tabLst>
             </a:pPr>
-            <a:fld id="{725778F3-4516-40DC-B837-49D62B726109}" type="slidenum">
+            <a:fld id="{5018B538-E7A5-43B8-A708-4F1CD39B2076}" type="slidenum">
               <a:rPr b="0" lang="en-US" sz="1200" spc="-1" strike="noStrike">
                 <a:solidFill>
                   <a:schemeClr val="dk1">
@@ -4491,7 +4500,7 @@
                 <a:tab algn="l" pos="0"/>
               </a:tabLst>
             </a:pPr>
-            <a:fld id="{99637EAF-CA47-44D3-B321-264B959A5E6F}" type="slidenum">
+            <a:fld id="{B6EAA9D6-A875-44FB-88E8-370A705AC42C}" type="slidenum">
               <a:rPr b="0" lang="en-US" sz="1200" spc="-1" strike="noStrike">
                 <a:solidFill>
                   <a:schemeClr val="dk1">
@@ -4781,7 +4790,7 @@
                 <a:tab algn="l" pos="0"/>
               </a:tabLst>
             </a:pPr>
-            <a:fld id="{205393C6-76A2-4A48-9463-634FBBB208A3}" type="slidenum">
+            <a:fld id="{83A02E05-9ED1-4717-A7D0-2352587E7C67}" type="slidenum">
               <a:rPr b="0" lang="en-US" sz="1200" spc="-1" strike="noStrike">
                 <a:solidFill>
                   <a:schemeClr val="dk1">
@@ -5022,7 +5031,7 @@
                 <a:tab algn="l" pos="0"/>
               </a:tabLst>
             </a:pPr>
-            <a:fld id="{17BB173A-6F48-4B13-B94E-5A7D92EF7769}" type="slidenum">
+            <a:fld id="{BF483B59-6303-4DDC-B66D-EB476396B2E5}" type="slidenum">
               <a:rPr b="0" lang="en-US" sz="1200" spc="-1" strike="noStrike">
                 <a:solidFill>
                   <a:schemeClr val="dk1">
@@ -6423,7 +6432,17 @@
                 <a:latin typeface="Liberation Mono;Courier New"/>
                 <a:ea typeface="Noto Sans Mono CJK SC"/>
               </a:rPr>
-              <a:t>Add regression line to scatter plot:</a:t>
+              <a:t>Add regression line to scatter </a:t>
+            </a:r>
+            <a:r>
+              <a:rPr b="1" lang="en-US" sz="3200" spc="-1" strike="noStrike">
+                <a:solidFill>
+                  <a:srgbClr val="000000"/>
+                </a:solidFill>
+                <a:latin typeface="Liberation Mono;Courier New"/>
+                <a:ea typeface="Noto Sans Mono CJK SC"/>
+              </a:rPr>
+              <a:t>plot:</a:t>
             </a:r>
             <a:endParaRPr b="0" lang="en-US" sz="3200" spc="-1" strike="noStrike">
               <a:solidFill>
@@ -6450,7 +6469,17 @@
                 <a:latin typeface="Liberation Mono;Courier New"/>
                 <a:ea typeface="Noto Sans Mono CJK SC"/>
               </a:rPr>
-              <a:t>plot(ds$Age, ds$Score,main="Age vs Score with Regression Line",</a:t>
+              <a:t>plot(ds$Age, ds$Score,main="Age </a:t>
+            </a:r>
+            <a:r>
+              <a:rPr b="0" lang="en-US" sz="3200" spc="-1" strike="noStrike">
+                <a:solidFill>
+                  <a:srgbClr val="000000"/>
+                </a:solidFill>
+                <a:latin typeface="Liberation Mono;Courier New"/>
+                <a:ea typeface="Noto Sans Mono CJK SC"/>
+              </a:rPr>
+              <a:t>vs Score with Regression Line",</a:t>
             </a:r>
             <a:endParaRPr b="0" lang="en-US" sz="3200" spc="-1" strike="noStrike">
               <a:solidFill>
@@ -6534,7 +6563,17 @@
                 <a:latin typeface="Liberation Mono;Courier New"/>
                 <a:ea typeface="Noto Sans Mono CJK SC"/>
               </a:rPr>
-              <a:t>abline(model1, col="red", lwd=2)  </a:t>
+              <a:t>abline(model1, col="red", lwd=2) </a:t>
+            </a:r>
+            <a:r>
+              <a:rPr b="0" lang="en-US" sz="3200" spc="-1" strike="noStrike">
+                <a:solidFill>
+                  <a:srgbClr val="000000"/>
+                </a:solidFill>
+                <a:latin typeface="Liberation Mono;Courier New"/>
+                <a:ea typeface="Noto Sans Mono CJK SC"/>
+              </a:rPr>
+              <a:t> </a:t>
             </a:r>
             <a:endParaRPr b="0" lang="en-US" sz="3200" spc="-1" strike="noStrike">
               <a:solidFill>
@@ -6723,16 +6762,7 @@
                 </a:solidFill>
                 <a:latin typeface="Calibri"/>
               </a:rPr>
-              <a:t>model2 &lt;- lm(Score ~ Age + Gender + </a:t>
-            </a:r>
-            <a:r>
-              <a:rPr b="0" lang="en-US" sz="3200" spc="-1" strike="noStrike">
-                <a:solidFill>
-                  <a:schemeClr val="dk1"/>
-                </a:solidFill>
-                <a:latin typeface="Calibri"/>
-              </a:rPr>
-              <a:t>Programme, data=ds)</a:t>
+              <a:t>model2 &lt;- lm(Score ~ Age + Gender + Programme, data=ds)</a:t>
             </a:r>
             <a:endParaRPr b="0" lang="en-US" sz="3200" spc="-1" strike="noStrike">
               <a:solidFill>
@@ -8293,7 +8323,17 @@
                 <a:latin typeface="Calibri"/>
                 <a:ea typeface="Noto Sans Mono CJK SC"/>
               </a:rPr>
-              <a:t>Load the sample_students.csv or choose any other dataset you like.</a:t>
+              <a:t>Load the sample_students.csv or </a:t>
+            </a:r>
+            <a:r>
+              <a:rPr b="0" lang="en-US" sz="3200" spc="-1" strike="noStrike">
+                <a:solidFill>
+                  <a:srgbClr val="000000"/>
+                </a:solidFill>
+                <a:latin typeface="Calibri"/>
+                <a:ea typeface="Noto Sans Mono CJK SC"/>
+              </a:rPr>
+              <a:t>choose any other dataset you like.</a:t>
             </a:r>
             <a:endParaRPr b="0" lang="en-US" sz="3200" spc="-1" strike="noStrike">
               <a:solidFill>
@@ -8328,7 +8368,17 @@
                 <a:latin typeface="Calibri"/>
                 <a:ea typeface="Noto Sans Mono CJK SC"/>
               </a:rPr>
-              <a:t>Plot histograms, boxplots, and scatterplots.</a:t>
+              <a:t>Plot histograms, boxplots, and </a:t>
+            </a:r>
+            <a:r>
+              <a:rPr b="0" lang="en-US" sz="3200" spc="-1" strike="noStrike">
+                <a:solidFill>
+                  <a:srgbClr val="000000"/>
+                </a:solidFill>
+                <a:latin typeface="Calibri"/>
+                <a:ea typeface="Noto Sans Mono CJK SC"/>
+              </a:rPr>
+              <a:t>scatterplots.</a:t>
             </a:r>
             <a:endParaRPr b="0" lang="en-US" sz="3200" spc="-1" strike="noStrike">
               <a:solidFill>
@@ -8951,16 +9001,7 @@
                 </a:solidFill>
                 <a:latin typeface="Calibri"/>
               </a:rPr>
-              <a:t>hist(ds$Score, main="Distribution of </a:t>
-            </a:r>
-            <a:r>
-              <a:rPr b="0" lang="en-US" sz="3200" spc="-1" strike="noStrike">
-                <a:solidFill>
-                  <a:schemeClr val="dk1"/>
-                </a:solidFill>
-                <a:latin typeface="Calibri"/>
-              </a:rPr>
-              <a:t>Scores", xlab="Score", col="skyblue")</a:t>
+              <a:t>hist(ds$Score, main="Distribution of Scores", xlab="Score", col="skyblue")</a:t>
             </a:r>
             <a:endParaRPr b="0" lang="en-US" sz="3200" spc="-1" strike="noStrike">
               <a:solidFill>
@@ -9103,7 +9144,16 @@
                 </a:solidFill>
                 <a:latin typeface="Calibri"/>
               </a:rPr>
-              <a:t>Visualizing the distribution of students' scores:</a:t>
+              <a:t>Visualizing the distribution of </a:t>
+            </a:r>
+            <a:r>
+              <a:rPr b="1" lang="en-US" sz="3200" spc="-1" strike="noStrike">
+                <a:solidFill>
+                  <a:srgbClr val="000000"/>
+                </a:solidFill>
+                <a:latin typeface="Calibri"/>
+              </a:rPr>
+              <a:t>students' scores:</a:t>
             </a:r>
             <a:endParaRPr b="0" lang="en-US" sz="3200" spc="-1" strike="noStrike">
               <a:solidFill>
